--- a/doc/slides/AMIDST_slides.pptx
+++ b/doc/slides/AMIDST_slides.pptx
@@ -186,7 +186,7 @@
       </p14:sectionLst>
     </p:ext>
     <p:ext uri="{EFAFB233-063F-42B5-8137-9DF3F51BA10A}">
-      <p15:sldGuideLst xmlns:p15="http://schemas.microsoft.com/office/powerpoint/2012/main">
+      <p15:sldGuideLst xmlns:p15="http://schemas.microsoft.com/office/powerpoint/2012/main" xmlns="">
         <p15:guide id="1" orient="horz" pos="2160">
           <p15:clr>
             <a:srgbClr val="A4A3A4"/>
@@ -285,7 +285,7 @@
           <a:p>
             <a:fld id="{CC6C90AD-C160-41AC-8A6B-137DAC16CFC1}" type="datetimeFigureOut">
               <a:rPr lang="en-GB" smtClean="0"/>
-              <a:t>21/06/2016</a:t>
+              <a:t>27/6/16</a:t>
             </a:fld>
             <a:endParaRPr lang="en-GB"/>
           </a:p>
@@ -451,7 +451,7 @@
           <a:p>
             <a:fld id="{0018698E-1315-49FF-A0A5-400C6FE9F6DC}" type="datetimeFigureOut">
               <a:rPr lang="en-US" smtClean="0"/>
-              <a:t>6/21/16</a:t>
+              <a:t>27/6/16</a:t>
             </a:fld>
             <a:endParaRPr lang="en-US"/>
           </a:p>
@@ -2236,7 +2236,7 @@
   <p:timing>
     <p:tnLst>
       <p:par>
-        <p:cTn id="1" dur="indefinite" restart="never" nodeType="tmRoot"/>
+        <p:cTn xmlns:p14="http://schemas.microsoft.com/office/powerpoint/2010/main" id="1" dur="indefinite" restart="never" nodeType="tmRoot"/>
       </p:par>
     </p:tnLst>
   </p:timing>
@@ -2545,7 +2545,7 @@
   <p:timing>
     <p:tnLst>
       <p:par>
-        <p:cTn id="1" dur="indefinite" restart="never" nodeType="tmRoot"/>
+        <p:cTn xmlns:p14="http://schemas.microsoft.com/office/powerpoint/2010/main" id="1" dur="indefinite" restart="never" nodeType="tmRoot"/>
       </p:par>
     </p:tnLst>
   </p:timing>
@@ -2703,7 +2703,7 @@
   <p:timing>
     <p:tnLst>
       <p:par>
-        <p:cTn id="1" dur="indefinite" restart="never" nodeType="tmRoot"/>
+        <p:cTn xmlns:p14="http://schemas.microsoft.com/office/powerpoint/2010/main" id="1" dur="indefinite" restart="never" nodeType="tmRoot"/>
       </p:par>
     </p:tnLst>
   </p:timing>
@@ -4560,14 +4560,14 @@
           </a:ln>
           <a:effectLst/>
           <a:extLst>
-            <a:ext uri="{909E8E84-426E-40DD-AFC4-6F175D3DCCD1}">
+            <a:ext uri="{909E8E84-426E-40dd-AFC4-6F175D3DCCD1}">
               <a14:hiddenFill xmlns:a14="http://schemas.microsoft.com/office/drawing/2010/main">
                 <a:solidFill>
                   <a:schemeClr val="accent1"/>
                 </a:solidFill>
               </a14:hiddenFill>
             </a:ext>
-            <a:ext uri="{91240B29-F687-4F45-9708-019B960494DF}">
+            <a:ext uri="{91240B29-F687-4f45-9708-019B960494DF}">
               <a14:hiddenLine xmlns:a14="http://schemas.microsoft.com/office/drawing/2010/main" w="9525">
                 <a:solidFill>
                   <a:schemeClr val="tx1"/>
@@ -4577,7 +4577,7 @@
                 <a:tailEnd/>
               </a14:hiddenLine>
             </a:ext>
-            <a:ext uri="{AF507438-7753-43E0-B8FC-AC1667EBCBE1}">
+            <a:ext uri="{AF507438-7753-43e0-B8FC-AC1667EBCBE1}">
               <a14:hiddenEffects xmlns:a14="http://schemas.microsoft.com/office/drawing/2010/main">
                 <a:effectLst>
                   <a:outerShdw dist="35921" dir="2700000" algn="ctr" rotWithShape="0">
@@ -4624,14 +4624,14 @@
           </a:ln>
           <a:effectLst/>
           <a:extLst>
-            <a:ext uri="{909E8E84-426E-40DD-AFC4-6F175D3DCCD1}">
+            <a:ext uri="{909E8E84-426E-40dd-AFC4-6F175D3DCCD1}">
               <a14:hiddenFill xmlns:a14="http://schemas.microsoft.com/office/drawing/2010/main">
                 <a:solidFill>
                   <a:schemeClr val="accent1"/>
                 </a:solidFill>
               </a14:hiddenFill>
             </a:ext>
-            <a:ext uri="{91240B29-F687-4F45-9708-019B960494DF}">
+            <a:ext uri="{91240B29-F687-4f45-9708-019B960494DF}">
               <a14:hiddenLine xmlns:a14="http://schemas.microsoft.com/office/drawing/2010/main" w="9525">
                 <a:solidFill>
                   <a:schemeClr val="tx1"/>
@@ -4641,7 +4641,7 @@
                 <a:tailEnd/>
               </a14:hiddenLine>
             </a:ext>
-            <a:ext uri="{AF507438-7753-43E0-B8FC-AC1667EBCBE1}">
+            <a:ext uri="{AF507438-7753-43e0-B8FC-AC1667EBCBE1}">
               <a14:hiddenEffects xmlns:a14="http://schemas.microsoft.com/office/drawing/2010/main">
                 <a:effectLst>
                   <a:outerShdw dist="35921" dir="2700000" algn="ctr" rotWithShape="0">
@@ -4672,7 +4672,7 @@
   <p:timing>
     <p:tnLst>
       <p:par>
-        <p:cTn id="1" dur="indefinite" restart="never" nodeType="tmRoot"/>
+        <p:cTn xmlns:p14="http://schemas.microsoft.com/office/powerpoint/2010/main" id="1" dur="indefinite" restart="never" nodeType="tmRoot"/>
       </p:par>
     </p:tnLst>
   </p:timing>
@@ -5072,15 +5072,7 @@
                   <a:srgbClr val="001F2C"/>
                 </a:solidFill>
               </a:rPr>
-              <a:t>Trondheim</a:t>
-            </a:r>
-            <a:r>
-              <a:rPr lang="en-GB" dirty="0" smtClean="0">
-                <a:solidFill>
-                  <a:srgbClr val="001F2C"/>
-                </a:solidFill>
-              </a:rPr>
-              <a:t>, June 28 2016</a:t>
+              <a:t>Trondheim, June 28 2016</a:t>
             </a:r>
             <a:endParaRPr lang="en-GB" dirty="0">
               <a:solidFill>
@@ -5313,7 +5305,7 @@
   <p:timing>
     <p:tnLst>
       <p:par>
-        <p:cTn id="1" dur="indefinite" restart="never" nodeType="tmRoot"/>
+        <p:cTn xmlns:p14="http://schemas.microsoft.com/office/powerpoint/2010/main" id="1" dur="indefinite" restart="never" nodeType="tmRoot"/>
       </p:par>
     </p:tnLst>
   </p:timing>
@@ -7702,7 +7694,7 @@
   <p:timing>
     <p:tnLst>
       <p:par>
-        <p:cTn id="1" dur="indefinite" restart="never" nodeType="tmRoot"/>
+        <p:cTn xmlns:p14="http://schemas.microsoft.com/office/powerpoint/2010/main" id="1" dur="indefinite" restart="never" nodeType="tmRoot"/>
       </p:par>
     </p:tnLst>
   </p:timing>
@@ -7809,7 +7801,7 @@
         <p:spPr>
           <a:xfrm>
             <a:off x="304800" y="1447800"/>
-            <a:ext cx="8686800" cy="5355312"/>
+            <a:ext cx="8686800" cy="5078314"/>
           </a:xfrm>
           <a:prstGeom prst="rect">
             <a:avLst/>
@@ -7935,7 +7927,31 @@
                   <a:srgbClr val="008000"/>
                 </a:solidFill>
               </a:rPr>
-              <a:t>"datasets/simulated/exampleDS_d0_c5.arff"</a:t>
+              <a:t>"datasets/simulated</a:t>
+            </a:r>
+            <a:r>
+              <a:rPr lang="en-US" b="1" dirty="0" smtClean="0">
+                <a:solidFill>
+                  <a:srgbClr val="008000"/>
+                </a:solidFill>
+              </a:rPr>
+              <a:t>/</a:t>
+            </a:r>
+            <a:r>
+              <a:rPr lang="en-US" b="1" dirty="0" err="1" smtClean="0">
+                <a:solidFill>
+                  <a:srgbClr val="008000"/>
+                </a:solidFill>
+              </a:rPr>
+              <a:t>cajamar.arff</a:t>
+            </a:r>
+            <a:r>
+              <a:rPr lang="en-US" b="1" dirty="0">
+                <a:solidFill>
+                  <a:srgbClr val="008000"/>
+                </a:solidFill>
+              </a:rPr>
+              <a:t>"</a:t>
             </a:r>
             <a:r>
               <a:rPr lang="en-US" dirty="0"/>
@@ -8038,42 +8054,11 @@
             </a:br>
             <a:r>
               <a:rPr lang="en-US" dirty="0"/>
-              <a:t>        ((</a:t>
-            </a:r>
-            <a:r>
-              <a:rPr lang="en-US" dirty="0" err="1"/>
-              <a:t>FactorAnalysis</a:t>
-            </a:r>
-            <a:r>
-              <a:rPr lang="en-US" dirty="0"/>
-              <a:t>)model).</a:t>
-            </a:r>
-            <a:r>
-              <a:rPr lang="en-US" dirty="0" err="1"/>
-              <a:t>setNumberOfLatentVariables</a:t>
-            </a:r>
-            <a:r>
-              <a:rPr lang="en-US" dirty="0"/>
-              <a:t>(</a:t>
-            </a:r>
-            <a:r>
-              <a:rPr lang="en-US" dirty="0">
-                <a:solidFill>
-                  <a:srgbClr val="0000FF"/>
-                </a:solidFill>
-              </a:rPr>
-              <a:t>3</a:t>
-            </a:r>
-            <a:r>
-              <a:rPr lang="en-US" dirty="0"/>
-              <a:t>);</a:t>
-            </a:r>
-            <a:br>
-              <a:rPr lang="en-US" dirty="0"/>
-            </a:br>
-            <a:r>
-              <a:rPr lang="en-US" dirty="0"/>
-              <a:t>        </a:t>
+              <a:t>       </a:t>
+            </a:r>
+            <a:r>
+              <a:rPr lang="en-US" dirty="0" smtClean="0"/>
+              <a:t> </a:t>
             </a:r>
             <a:r>
               <a:rPr lang="en-US" dirty="0" err="1"/>
@@ -8277,7 +8262,7 @@
   <p:timing>
     <p:tnLst>
       <p:par>
-        <p:cTn id="1" dur="indefinite" restart="never" nodeType="tmRoot"/>
+        <p:cTn xmlns:p14="http://schemas.microsoft.com/office/powerpoint/2010/main" id="1" dur="indefinite" restart="never" nodeType="tmRoot"/>
       </p:par>
     </p:tnLst>
   </p:timing>
@@ -10723,7 +10708,7 @@
   <p:timing>
     <p:tnLst>
       <p:par>
-        <p:cTn id="1" dur="indefinite" restart="never" nodeType="tmRoot"/>
+        <p:cTn xmlns:p14="http://schemas.microsoft.com/office/powerpoint/2010/main" id="1" dur="indefinite" restart="never" nodeType="tmRoot"/>
       </p:par>
     </p:tnLst>
   </p:timing>
@@ -10845,7 +10830,7 @@
         <p:spPr>
           <a:xfrm>
             <a:off x="228600" y="1371600"/>
-            <a:ext cx="10820400" cy="5078313"/>
+            <a:ext cx="10820400" cy="4801315"/>
           </a:xfrm>
           <a:prstGeom prst="rect">
             <a:avLst/>
@@ -11161,45 +11146,14 @@
             </a:br>
             <a:r>
               <a:rPr lang="en-US" dirty="0"/>
-              <a:t>        ((</a:t>
-            </a:r>
-            <a:r>
-              <a:rPr lang="en-US" dirty="0" err="1"/>
-              <a:t>FactorAnalysis</a:t>
-            </a:r>
-            <a:r>
-              <a:rPr lang="en-US" dirty="0"/>
-              <a:t>)model).</a:t>
-            </a:r>
-            <a:r>
-              <a:rPr lang="en-US" dirty="0" err="1"/>
-              <a:t>setNumberOfLatentVariables</a:t>
-            </a:r>
-            <a:r>
-              <a:rPr lang="en-US" dirty="0"/>
-              <a:t>(</a:t>
-            </a:r>
-            <a:r>
-              <a:rPr lang="en-US" dirty="0">
-                <a:solidFill>
-                  <a:srgbClr val="0000FF"/>
-                </a:solidFill>
-              </a:rPr>
-              <a:t>3</a:t>
-            </a:r>
-            <a:r>
-              <a:rPr lang="en-US" dirty="0"/>
-              <a:t>);</a:t>
-            </a:r>
-            <a:br>
-              <a:rPr lang="en-US" dirty="0"/>
-            </a:br>
-            <a:r>
-              <a:rPr lang="en-US" dirty="0"/>
-              <a:t>        </a:t>
-            </a:r>
-            <a:r>
-              <a:rPr lang="en-US" dirty="0" err="1"/>
+              <a:t> </a:t>
+            </a:r>
+            <a:r>
+              <a:rPr lang="en-US" dirty="0" smtClean="0"/>
+              <a:t>       </a:t>
+            </a:r>
+            <a:r>
+              <a:rPr lang="en-US" dirty="0" err="1" smtClean="0"/>
               <a:t>model.updateModel</a:t>
             </a:r>
             <a:r>
@@ -11496,7 +11450,7 @@
   <p:timing>
     <p:tnLst>
       <p:par>
-        <p:cTn id="1" dur="indefinite" restart="never" nodeType="tmRoot"/>
+        <p:cTn xmlns:p14="http://schemas.microsoft.com/office/powerpoint/2010/main" id="1" dur="indefinite" restart="never" nodeType="tmRoot"/>
       </p:par>
     </p:tnLst>
   </p:timing>
@@ -13880,7 +13834,7 @@
   <p:timing>
     <p:tnLst>
       <p:par>
-        <p:cTn id="1" dur="indefinite" restart="never" nodeType="tmRoot"/>
+        <p:cTn xmlns:p14="http://schemas.microsoft.com/office/powerpoint/2010/main" id="1" dur="indefinite" restart="never" nodeType="tmRoot"/>
       </p:par>
     </p:tnLst>
   </p:timing>
@@ -14382,7 +14336,7 @@
   <p:timing>
     <p:tnLst>
       <p:par>
-        <p:cTn id="1" dur="indefinite" restart="never" nodeType="tmRoot"/>
+        <p:cTn xmlns:p14="http://schemas.microsoft.com/office/powerpoint/2010/main" id="1" dur="indefinite" restart="never" nodeType="tmRoot"/>
       </p:par>
     </p:tnLst>
   </p:timing>
@@ -17801,7 +17755,7 @@
   <p:timing>
     <p:tnLst>
       <p:par>
-        <p:cTn id="1" dur="indefinite" restart="never" nodeType="tmRoot"/>
+        <p:cTn xmlns:p14="http://schemas.microsoft.com/office/powerpoint/2010/main" id="1" dur="indefinite" restart="never" nodeType="tmRoot"/>
       </p:par>
     </p:tnLst>
   </p:timing>
@@ -18051,7 +18005,15 @@
                   <a:srgbClr val="008000"/>
                 </a:solidFill>
               </a:rPr>
-              <a:t>"LatentVar2"</a:t>
+              <a:t>"</a:t>
+            </a:r>
+            <a:r>
+              <a:rPr lang="en-US" sz="1600" b="1" dirty="0" smtClean="0">
+                <a:solidFill>
+                  <a:srgbClr val="008000"/>
+                </a:solidFill>
+              </a:rPr>
+              <a:t>LatentVar1"</a:t>
             </a:r>
             <a:r>
               <a:rPr lang="en-US" sz="1600" dirty="0"/>
@@ -18165,16 +18127,16 @@
               <a:t>getVariableByName</a:t>
             </a:r>
             <a:r>
-              <a:rPr lang="en-US" sz="1600" dirty="0"/>
+              <a:rPr lang="en-US" sz="1600" dirty="0" smtClean="0"/>
               <a:t>(</a:t>
             </a:r>
             <a:r>
-              <a:rPr lang="en-US" sz="1600" b="1" dirty="0">
+              <a:rPr lang="en-US" sz="1600" b="1" dirty="0" smtClean="0">
                 <a:solidFill>
                   <a:srgbClr val="008000"/>
                 </a:solidFill>
               </a:rPr>
-              <a:t>"GaussianVar1"</a:t>
+              <a:t>”Income"</a:t>
             </a:r>
             <a:r>
               <a:rPr lang="en-US" sz="1600" dirty="0"/>
@@ -18189,19 +18151,27 @@
             </a:r>
             <a:r>
               <a:rPr lang="en-US" sz="1600" dirty="0"/>
-              <a:t>(varObserved,</a:t>
-            </a:r>
-            <a:r>
-              <a:rPr lang="en-US" sz="1600" dirty="0">
+              <a:t>(varObserved</a:t>
+            </a:r>
+            <a:r>
+              <a:rPr lang="en-US" sz="1600" dirty="0" smtClean="0"/>
+              <a:t>,</a:t>
+            </a:r>
+            <a:r>
+              <a:rPr lang="en-US" sz="1600" dirty="0" smtClean="0">
                 <a:solidFill>
                   <a:srgbClr val="0000FF"/>
                 </a:solidFill>
               </a:rPr>
-              <a:t>6.5</a:t>
+              <a:t>0.0</a:t>
+            </a:r>
+            <a:r>
+              <a:rPr lang="en-US" sz="1600" dirty="0" smtClean="0"/>
+              <a:t>)</a:t>
             </a:r>
             <a:r>
               <a:rPr lang="en-US" sz="1600" dirty="0"/>
-              <a:t>);</a:t>
+              <a:t>;</a:t>
             </a:r>
             <a:br>
               <a:rPr lang="en-US" sz="1600" dirty="0"/>
@@ -18363,7 +18333,23 @@
                   <a:srgbClr val="008000"/>
                 </a:solidFill>
               </a:rPr>
-              <a:t>"P(LatentVar2|GaussianVar1=6.5) = "</a:t>
+              <a:t>"P(</a:t>
+            </a:r>
+            <a:r>
+              <a:rPr lang="en-US" sz="1600" b="1" dirty="0" smtClean="0">
+                <a:solidFill>
+                  <a:srgbClr val="008000"/>
+                </a:solidFill>
+              </a:rPr>
+              <a:t>LatentVar1|Incomce=0.0) </a:t>
+            </a:r>
+            <a:r>
+              <a:rPr lang="en-US" sz="1600" b="1" dirty="0">
+                <a:solidFill>
+                  <a:srgbClr val="008000"/>
+                </a:solidFill>
+              </a:rPr>
+              <a:t>= "</a:t>
             </a:r>
             <a:r>
               <a:rPr lang="en-US" sz="1600" dirty="0"/>
@@ -18625,7 +18611,7 @@
   <p:timing>
     <p:tnLst>
       <p:par>
-        <p:cTn id="1" dur="indefinite" restart="never" nodeType="tmRoot"/>
+        <p:cTn xmlns:p14="http://schemas.microsoft.com/office/powerpoint/2010/main" id="1" dur="indefinite" restart="never" nodeType="tmRoot"/>
       </p:par>
     </p:tnLst>
   </p:timing>
@@ -19385,7 +19371,7 @@
   <p:timing>
     <p:tnLst>
       <p:par>
-        <p:cTn id="1" dur="indefinite" restart="never" nodeType="tmRoot"/>
+        <p:cTn xmlns:p14="http://schemas.microsoft.com/office/powerpoint/2010/main" id="1" dur="indefinite" restart="never" nodeType="tmRoot"/>
       </p:par>
     </p:tnLst>
   </p:timing>
@@ -20203,7 +20189,7 @@
   <p:timing>
     <p:tnLst>
       <p:par>
-        <p:cTn id="1" dur="indefinite" restart="never" nodeType="tmRoot"/>
+        <p:cTn xmlns:p14="http://schemas.microsoft.com/office/powerpoint/2010/main" id="1" dur="indefinite" restart="never" nodeType="tmRoot"/>
       </p:par>
     </p:tnLst>
   </p:timing>
@@ -20378,7 +20364,7 @@
   <p:timing>
     <p:tnLst>
       <p:par>
-        <p:cTn id="1" dur="indefinite" restart="never" nodeType="tmRoot"/>
+        <p:cTn xmlns:p14="http://schemas.microsoft.com/office/powerpoint/2010/main" id="1" dur="indefinite" restart="never" nodeType="tmRoot"/>
       </p:par>
     </p:tnLst>
   </p:timing>
@@ -20553,7 +20539,7 @@
   <p:timing>
     <p:tnLst>
       <p:par>
-        <p:cTn id="1" dur="indefinite" restart="never" nodeType="tmRoot"/>
+        <p:cTn xmlns:p14="http://schemas.microsoft.com/office/powerpoint/2010/main" id="1" dur="indefinite" restart="never" nodeType="tmRoot"/>
       </p:par>
     </p:tnLst>
   </p:timing>
@@ -22113,11 +22099,6 @@
                 </a:rPr>
                 <a:t>t+1</a:t>
               </a:r>
-              <a:endParaRPr lang="en-US" sz="1400" baseline="30000" dirty="0" smtClean="0">
-                <a:solidFill>
-                  <a:sysClr val="windowText" lastClr="000000"/>
-                </a:solidFill>
-              </a:endParaRPr>
             </a:p>
           </p:txBody>
         </p:sp>
@@ -22317,11 +22298,6 @@
                 </a:rPr>
                 <a:t>t</a:t>
               </a:r>
-              <a:endParaRPr lang="en-US" sz="1400" baseline="30000" dirty="0" smtClean="0">
-                <a:solidFill>
-                  <a:sysClr val="windowText" lastClr="000000"/>
-                </a:solidFill>
-              </a:endParaRPr>
             </a:p>
           </p:txBody>
         </p:sp>
@@ -22522,11 +22498,6 @@
                 </a:rPr>
                 <a:t>t-1</a:t>
               </a:r>
-              <a:endParaRPr lang="en-US" sz="1400" baseline="30000" dirty="0" smtClean="0">
-                <a:solidFill>
-                  <a:sysClr val="windowText" lastClr="000000"/>
-                </a:solidFill>
-              </a:endParaRPr>
             </a:p>
           </p:txBody>
         </p:sp>
@@ -22765,7 +22736,7 @@
   <p:timing>
     <p:tnLst>
       <p:par>
-        <p:cTn id="1" dur="indefinite" restart="never" nodeType="tmRoot"/>
+        <p:cTn xmlns:p14="http://schemas.microsoft.com/office/powerpoint/2010/main" id="1" dur="indefinite" restart="never" nodeType="tmRoot"/>
       </p:par>
     </p:tnLst>
   </p:timing>
@@ -22857,7 +22828,7 @@
         <p:spPr>
           <a:xfrm>
             <a:off x="457200" y="1295400"/>
-            <a:ext cx="8458200" cy="5262979"/>
+            <a:ext cx="8458200" cy="4770537"/>
           </a:xfrm>
           <a:prstGeom prst="rect">
             <a:avLst/>
@@ -22975,7 +22946,31 @@
                   <a:srgbClr val="008000"/>
                 </a:solidFill>
               </a:rPr>
-              <a:t>"datasets/simulated/exampleDS_d0_c5.arff"</a:t>
+              <a:t>"datasets/simulated</a:t>
+            </a:r>
+            <a:r>
+              <a:rPr lang="en-US" sz="1600" b="1" dirty="0" smtClean="0">
+                <a:solidFill>
+                  <a:srgbClr val="008000"/>
+                </a:solidFill>
+              </a:rPr>
+              <a:t>/</a:t>
+            </a:r>
+            <a:r>
+              <a:rPr lang="en-US" sz="1600" b="1" dirty="0" err="1" smtClean="0">
+                <a:solidFill>
+                  <a:srgbClr val="008000"/>
+                </a:solidFill>
+              </a:rPr>
+              <a:t>cajamar.arff</a:t>
+            </a:r>
+            <a:r>
+              <a:rPr lang="en-US" sz="1600" b="1" dirty="0">
+                <a:solidFill>
+                  <a:srgbClr val="008000"/>
+                </a:solidFill>
+              </a:rPr>
+              <a:t>"</a:t>
             </a:r>
             <a:r>
               <a:rPr lang="en-US" sz="1600" dirty="0"/>
@@ -23081,69 +23076,7 @@
               <a:rPr lang="en-US" sz="1600" dirty="0"/>
             </a:br>
             <a:r>
-              <a:rPr lang="en-US" sz="1600" dirty="0"/>
-              <a:t>        ((</a:t>
-            </a:r>
-            <a:r>
-              <a:rPr lang="en-US" sz="1600" dirty="0" err="1"/>
-              <a:t>HiddenMarkovModel</a:t>
-            </a:r>
-            <a:r>
-              <a:rPr lang="en-US" sz="1600" dirty="0"/>
-              <a:t>)model).</a:t>
-            </a:r>
-            <a:r>
-              <a:rPr lang="en-US" sz="1600" dirty="0" err="1"/>
-              <a:t>setNumStatesHiddenVar</a:t>
-            </a:r>
-            <a:r>
-              <a:rPr lang="en-US" sz="1600" dirty="0"/>
-              <a:t>(</a:t>
-            </a:r>
-            <a:r>
-              <a:rPr lang="en-US" sz="1600" dirty="0">
-                <a:solidFill>
-                  <a:srgbClr val="0000FF"/>
-                </a:solidFill>
-              </a:rPr>
-              <a:t>4</a:t>
-            </a:r>
-            <a:r>
-              <a:rPr lang="en-US" sz="1600" dirty="0"/>
-              <a:t>);</a:t>
-            </a:r>
-            <a:br>
-              <a:rPr lang="en-US" sz="1600" dirty="0"/>
-            </a:br>
-            <a:r>
-              <a:rPr lang="en-US" sz="1600" dirty="0"/>
-              <a:t>        </a:t>
-            </a:r>
-            <a:r>
-              <a:rPr lang="en-US" sz="1600" dirty="0" err="1"/>
-              <a:t>model.setWindowSize</a:t>
-            </a:r>
-            <a:r>
-              <a:rPr lang="en-US" sz="1600" dirty="0"/>
-              <a:t>(</a:t>
-            </a:r>
-            <a:r>
-              <a:rPr lang="en-US" sz="1600" dirty="0">
-                <a:solidFill>
-                  <a:srgbClr val="0000FF"/>
-                </a:solidFill>
-              </a:rPr>
-              <a:t>200</a:t>
-            </a:r>
-            <a:r>
-              <a:rPr lang="en-US" sz="1600" dirty="0"/>
-              <a:t>);</a:t>
-            </a:r>
-            <a:br>
-              <a:rPr lang="en-US" sz="1600" dirty="0"/>
-            </a:br>
-            <a:r>
-              <a:rPr lang="en-US" sz="1600" dirty="0"/>
+              <a:rPr lang="en-US" sz="1600" dirty="0" smtClean="0"/>
               <a:t>        </a:t>
             </a:r>
             <a:r>
@@ -23370,7 +23303,7 @@
   <p:timing>
     <p:tnLst>
       <p:par>
-        <p:cTn id="1" dur="indefinite" restart="never" nodeType="tmRoot"/>
+        <p:cTn xmlns:p14="http://schemas.microsoft.com/office/powerpoint/2010/main" id="1" dur="indefinite" restart="never" nodeType="tmRoot"/>
       </p:par>
     </p:tnLst>
   </p:timing>
@@ -24510,11 +24443,7 @@
             </a:r>
             <a:r>
               <a:rPr lang="en-US" sz="2000" dirty="0" smtClean="0"/>
-              <a:t> </a:t>
-            </a:r>
-            <a:r>
-              <a:rPr lang="en-US" sz="2000" dirty="0" smtClean="0"/>
-              <a:t>file</a:t>
+              <a:t> file</a:t>
             </a:r>
           </a:p>
           <a:p>
@@ -25705,15 +25634,7 @@
                   <a:schemeClr val="bg1"/>
                 </a:solidFill>
               </a:rPr>
-              <a:t>c</a:t>
-            </a:r>
-            <a:r>
-              <a:rPr lang="en-US" sz="1100" dirty="0" smtClean="0">
-                <a:solidFill>
-                  <a:schemeClr val="bg1"/>
-                </a:solidFill>
-              </a:rPr>
-              <a:t>ore-dynamic</a:t>
+              <a:t>core-dynamic</a:t>
             </a:r>
             <a:endParaRPr lang="en-US" sz="1100" dirty="0">
               <a:solidFill>
@@ -26797,7 +26718,7 @@
   <p:timing>
     <p:tnLst>
       <p:par>
-        <p:cTn id="1" dur="indefinite" restart="never" nodeType="tmRoot"/>
+        <p:cTn xmlns:p14="http://schemas.microsoft.com/office/powerpoint/2010/main" id="1" dur="indefinite" restart="never" nodeType="tmRoot"/>
       </p:par>
     </p:tnLst>
   </p:timing>
@@ -27251,7 +27172,7 @@
   <p:timing>
     <p:tnLst>
       <p:par>
-        <p:cTn id="1" dur="indefinite" restart="never" nodeType="tmRoot"/>
+        <p:cTn xmlns:p14="http://schemas.microsoft.com/office/powerpoint/2010/main" id="1" dur="indefinite" restart="never" nodeType="tmRoot"/>
       </p:par>
     </p:tnLst>
   </p:timing>
@@ -29540,15 +29461,7 @@
                   <a:schemeClr val="bg1"/>
                 </a:solidFill>
               </a:rPr>
-              <a:t>c</a:t>
-            </a:r>
-            <a:r>
-              <a:rPr lang="en-US" sz="1100" dirty="0" smtClean="0">
-                <a:solidFill>
-                  <a:schemeClr val="bg1"/>
-                </a:solidFill>
-              </a:rPr>
-              <a:t>ore-dynamic</a:t>
+              <a:t>core-dynamic</a:t>
             </a:r>
             <a:endParaRPr lang="en-US" sz="1100" dirty="0">
               <a:solidFill>
@@ -30619,8 +30532,8 @@
           </a:p>
         </p:txBody>
       </p:sp>
-      <mc:AlternateContent xmlns:mc="http://schemas.openxmlformats.org/markup-compatibility/2006">
-        <mc:Choice xmlns:a14="http://schemas.microsoft.com/office/drawing/2010/main" Requires="a14">
+      <mc:AlternateContent xmlns:mc="http://schemas.openxmlformats.org/markup-compatibility/2006" xmlns:a14="http://schemas.microsoft.com/office/drawing/2010/main">
+        <mc:Choice Requires="a14">
           <p:sp>
             <p:nvSpPr>
               <p:cNvPr id="95" name="Rectangle 94"/>
@@ -30645,7 +30558,7 @@
               <a:p>
                 <a:pPr algn="ctr"/>
                 <a14:m>
-                  <m:oMathPara xmlns:m="http://schemas.openxmlformats.org/officeDocument/2006/math">
+                  <m:oMathPara xmlns:m="http://schemas.openxmlformats.org/officeDocument/2006/math" xmlns="">
                     <m:oMathParaPr>
                       <m:jc m:val="centerGroup"/>
                     </m:oMathParaPr>
@@ -31014,7 +30927,7 @@
             </p:txBody>
           </p:sp>
         </mc:Choice>
-        <mc:Fallback>
+        <mc:Fallback xmlns="">
           <p:sp>
             <p:nvSpPr>
               <p:cNvPr id="95" name="Rectangle 94"/>
@@ -31053,8 +30966,8 @@
           </p:sp>
         </mc:Fallback>
       </mc:AlternateContent>
-      <mc:AlternateContent xmlns:mc="http://schemas.openxmlformats.org/markup-compatibility/2006">
-        <mc:Choice xmlns:a14="http://schemas.microsoft.com/office/drawing/2010/main" Requires="a14">
+      <mc:AlternateContent xmlns:mc="http://schemas.openxmlformats.org/markup-compatibility/2006" xmlns:a14="http://schemas.microsoft.com/office/drawing/2010/main">
+        <mc:Choice Requires="a14">
           <p:sp>
             <p:nvSpPr>
               <p:cNvPr id="96" name="Rectangle 95"/>
@@ -31079,7 +30992,7 @@
               <a:p>
                 <a:pPr algn="ctr"/>
                 <a14:m>
-                  <m:oMathPara xmlns:m="http://schemas.openxmlformats.org/officeDocument/2006/math">
+                  <m:oMathPara xmlns:m="http://schemas.openxmlformats.org/officeDocument/2006/math" xmlns="">
                     <m:oMathParaPr>
                       <m:jc m:val="centerGroup"/>
                     </m:oMathParaPr>
@@ -31465,7 +31378,7 @@
             </p:txBody>
           </p:sp>
         </mc:Choice>
-        <mc:Fallback>
+        <mc:Fallback xmlns="">
           <p:sp>
             <p:nvSpPr>
               <p:cNvPr id="96" name="Rectangle 95"/>
@@ -31517,7 +31430,7 @@
   <p:timing>
     <p:tnLst>
       <p:par>
-        <p:cTn id="1" dur="indefinite" restart="never" nodeType="tmRoot"/>
+        <p:cTn xmlns:p14="http://schemas.microsoft.com/office/powerpoint/2010/main" id="1" dur="indefinite" restart="never" nodeType="tmRoot"/>
       </p:par>
     </p:tnLst>
   </p:timing>
@@ -31603,7 +31516,31 @@
                   <a:srgbClr val="008000"/>
                 </a:solidFill>
               </a:rPr>
-              <a:t>"datasets/simulated/exampleDS_d0_c5_small.arff"</a:t>
+              <a:t>"datasets/simulated</a:t>
+            </a:r>
+            <a:r>
+              <a:rPr lang="en-US" sz="1400" b="1" dirty="0" smtClean="0">
+                <a:solidFill>
+                  <a:srgbClr val="008000"/>
+                </a:solidFill>
+              </a:rPr>
+              <a:t>/</a:t>
+            </a:r>
+            <a:r>
+              <a:rPr lang="en-US" sz="1400" b="1" dirty="0" err="1" smtClean="0">
+                <a:solidFill>
+                  <a:srgbClr val="008000"/>
+                </a:solidFill>
+              </a:rPr>
+              <a:t>cajamar.arff</a:t>
+            </a:r>
+            <a:r>
+              <a:rPr lang="en-US" sz="1400" b="1" dirty="0" smtClean="0">
+                <a:solidFill>
+                  <a:srgbClr val="008000"/>
+                </a:solidFill>
+              </a:rPr>
+              <a:t>"</a:t>
             </a:r>
             <a:r>
               <a:rPr lang="en-US" sz="1400" dirty="0"/>
@@ -32438,7 +32375,7 @@
   <p:timing>
     <p:tnLst>
       <p:par>
-        <p:cTn id="1" dur="indefinite" restart="never" nodeType="tmRoot"/>
+        <p:cTn xmlns:p14="http://schemas.microsoft.com/office/powerpoint/2010/main" id="1" dur="indefinite" restart="never" nodeType="tmRoot"/>
       </p:par>
     </p:tnLst>
   </p:timing>
@@ -32830,7 +32767,7 @@
   <p:timing>
     <p:tnLst>
       <p:par>
-        <p:cTn id="1" dur="indefinite" restart="never" nodeType="tmRoot"/>
+        <p:cTn xmlns:p14="http://schemas.microsoft.com/office/powerpoint/2010/main" id="1" dur="indefinite" restart="never" nodeType="tmRoot"/>
       </p:par>
     </p:tnLst>
   </p:timing>
@@ -36102,7 +36039,7 @@
   <p:timing>
     <p:tnLst>
       <p:par>
-        <p:cTn id="1" dur="indefinite" restart="never" nodeType="tmRoot"/>
+        <p:cTn xmlns:p14="http://schemas.microsoft.com/office/powerpoint/2010/main" id="1" dur="indefinite" restart="never" nodeType="tmRoot"/>
       </p:par>
     </p:tnLst>
   </p:timing>
@@ -36869,7 +36806,7 @@
   <p:timing>
     <p:tnLst>
       <p:par>
-        <p:cTn id="1" dur="indefinite" restart="never" nodeType="tmRoot"/>
+        <p:cTn xmlns:p14="http://schemas.microsoft.com/office/powerpoint/2010/main" id="1" dur="indefinite" restart="never" nodeType="tmRoot"/>
       </p:par>
     </p:tnLst>
   </p:timing>
@@ -37384,7 +37321,7 @@
   <p:timing>
     <p:tnLst>
       <p:par>
-        <p:cTn id="1" dur="indefinite" restart="never" nodeType="tmRoot"/>
+        <p:cTn xmlns:p14="http://schemas.microsoft.com/office/powerpoint/2010/main" id="1" dur="indefinite" restart="never" nodeType="tmRoot"/>
       </p:par>
     </p:tnLst>
   </p:timing>
@@ -37825,7 +37762,7 @@
   <p:timing>
     <p:tnLst>
       <p:par>
-        <p:cTn id="1" dur="indefinite" restart="never" nodeType="tmRoot"/>
+        <p:cTn xmlns:p14="http://schemas.microsoft.com/office/powerpoint/2010/main" id="1" dur="indefinite" restart="never" nodeType="tmRoot"/>
       </p:par>
     </p:tnLst>
   </p:timing>
@@ -38084,7 +38021,7 @@
   <p:timing>
     <p:tnLst>
       <p:par>
-        <p:cTn id="1" dur="indefinite" restart="never" nodeType="tmRoot"/>
+        <p:cTn xmlns:p14="http://schemas.microsoft.com/office/powerpoint/2010/main" id="1" dur="indefinite" restart="never" nodeType="tmRoot"/>
       </p:par>
     </p:tnLst>
   </p:timing>
@@ -38351,7 +38288,7 @@
   <p:timing>
     <p:tnLst>
       <p:par>
-        <p:cTn id="1" dur="indefinite" restart="never" nodeType="tmRoot"/>
+        <p:cTn xmlns:p14="http://schemas.microsoft.com/office/powerpoint/2010/main" id="1" dur="indefinite" restart="never" nodeType="tmRoot"/>
       </p:par>
     </p:tnLst>
   </p:timing>
@@ -49364,7 +49301,7 @@
   <p:timing>
     <p:tnLst>
       <p:par>
-        <p:cTn id="1" dur="indefinite" restart="never" nodeType="tmRoot"/>
+        <p:cTn xmlns:p14="http://schemas.microsoft.com/office/powerpoint/2010/main" id="1" dur="indefinite" restart="never" nodeType="tmRoot"/>
       </p:par>
     </p:tnLst>
   </p:timing>
@@ -49858,7 +49795,7 @@
   <p:timing>
     <p:tnLst>
       <p:par>
-        <p:cTn id="1" dur="indefinite" restart="never" nodeType="tmRoot"/>
+        <p:cTn xmlns:p14="http://schemas.microsoft.com/office/powerpoint/2010/main" id="1" dur="indefinite" restart="never" nodeType="tmRoot"/>
       </p:par>
     </p:tnLst>
   </p:timing>
@@ -50205,7 +50142,7 @@
   <p:timing>
     <p:tnLst>
       <p:par>
-        <p:cTn id="1" dur="indefinite" restart="never" nodeType="tmRoot"/>
+        <p:cTn xmlns:p14="http://schemas.microsoft.com/office/powerpoint/2010/main" id="1" dur="indefinite" restart="never" nodeType="tmRoot"/>
       </p:par>
     </p:tnLst>
   </p:timing>
@@ -50677,7 +50614,7 @@
   <p:timing>
     <p:tnLst>
       <p:par>
-        <p:cTn id="1" dur="indefinite" restart="never" nodeType="tmRoot"/>
+        <p:cTn xmlns:p14="http://schemas.microsoft.com/office/powerpoint/2010/main" id="1" dur="indefinite" restart="never" nodeType="tmRoot"/>
       </p:par>
     </p:tnLst>
   </p:timing>
@@ -51806,7 +51743,7 @@
   <p:timing>
     <p:tnLst>
       <p:par>
-        <p:cTn id="1" dur="indefinite" restart="never" nodeType="tmRoot"/>
+        <p:cTn xmlns:p14="http://schemas.microsoft.com/office/powerpoint/2010/main" id="1" dur="indefinite" restart="never" nodeType="tmRoot"/>
       </p:par>
     </p:tnLst>
   </p:timing>
@@ -51981,7 +51918,7 @@
   <p:timing>
     <p:tnLst>
       <p:par>
-        <p:cTn id="1" dur="indefinite" restart="never" nodeType="tmRoot"/>
+        <p:cTn xmlns:p14="http://schemas.microsoft.com/office/powerpoint/2010/main" id="1" dur="indefinite" restart="never" nodeType="tmRoot"/>
       </p:par>
     </p:tnLst>
   </p:timing>

--- a/doc/slides/AMIDST_slides.pptx
+++ b/doc/slides/AMIDST_slides.pptx
@@ -14,9 +14,9 @@
     <p:sldId id="256" r:id="rId2"/>
     <p:sldId id="286" r:id="rId3"/>
     <p:sldId id="257" r:id="rId4"/>
-    <p:sldId id="263" r:id="rId5"/>
-    <p:sldId id="285" r:id="rId6"/>
-    <p:sldId id="265" r:id="rId7"/>
+    <p:sldId id="304" r:id="rId5"/>
+    <p:sldId id="305" r:id="rId6"/>
+    <p:sldId id="263" r:id="rId7"/>
     <p:sldId id="258" r:id="rId8"/>
     <p:sldId id="294" r:id="rId9"/>
     <p:sldId id="302" r:id="rId10"/>
@@ -150,9 +150,9 @@
             <p14:sldId id="256"/>
             <p14:sldId id="286"/>
             <p14:sldId id="257"/>
+            <p14:sldId id="304"/>
+            <p14:sldId id="305"/>
             <p14:sldId id="263"/>
-            <p14:sldId id="285"/>
-            <p14:sldId id="265"/>
             <p14:sldId id="258"/>
             <p14:sldId id="294"/>
             <p14:sldId id="302"/>
@@ -287,7 +287,7 @@
           <a:p>
             <a:fld id="{CC6C90AD-C160-41AC-8A6B-137DAC16CFC1}" type="datetimeFigureOut">
               <a:rPr lang="en-GB" smtClean="0"/>
-              <a:t>28/06/2016</a:t>
+              <a:t>29/06/2016</a:t>
             </a:fld>
             <a:endParaRPr lang="en-GB"/>
           </a:p>
@@ -453,7 +453,7 @@
           <a:p>
             <a:fld id="{0018698E-1315-49FF-A0A5-400C6FE9F6DC}" type="datetimeFigureOut">
               <a:rPr lang="en-US" smtClean="0"/>
-              <a:t>6/28/16</a:t>
+              <a:t>6/29/16</a:t>
             </a:fld>
             <a:endParaRPr lang="en-US"/>
           </a:p>
@@ -4556,14 +4556,14 @@
           <a:effectLst/>
           <a:extLst>
             <a:ext uri="{909E8E84-426E-40dd-AFC4-6F175D3DCCD1}">
-              <a14:hiddenFill xmlns:a14="http://schemas.microsoft.com/office/drawing/2010/main" xmlns="">
+              <a14:hiddenFill xmlns="" xmlns:a14="http://schemas.microsoft.com/office/drawing/2010/main">
                 <a:solidFill>
                   <a:schemeClr val="accent1"/>
                 </a:solidFill>
               </a14:hiddenFill>
             </a:ext>
             <a:ext uri="{91240B29-F687-4f45-9708-019B960494DF}">
-              <a14:hiddenLine xmlns:a14="http://schemas.microsoft.com/office/drawing/2010/main" xmlns="" w="9525">
+              <a14:hiddenLine xmlns="" xmlns:a14="http://schemas.microsoft.com/office/drawing/2010/main" w="9525">
                 <a:solidFill>
                   <a:schemeClr val="tx1"/>
                 </a:solidFill>
@@ -4573,7 +4573,7 @@
               </a14:hiddenLine>
             </a:ext>
             <a:ext uri="{AF507438-7753-43e0-B8FC-AC1667EBCBE1}">
-              <a14:hiddenEffects xmlns:a14="http://schemas.microsoft.com/office/drawing/2010/main" xmlns="">
+              <a14:hiddenEffects xmlns="" xmlns:a14="http://schemas.microsoft.com/office/drawing/2010/main">
                 <a:effectLst>
                   <a:outerShdw dist="35921" dir="2700000" algn="ctr" rotWithShape="0">
                     <a:schemeClr val="bg2"/>
@@ -4620,14 +4620,14 @@
           <a:effectLst/>
           <a:extLst>
             <a:ext uri="{909E8E84-426E-40dd-AFC4-6F175D3DCCD1}">
-              <a14:hiddenFill xmlns:a14="http://schemas.microsoft.com/office/drawing/2010/main" xmlns="">
+              <a14:hiddenFill xmlns="" xmlns:a14="http://schemas.microsoft.com/office/drawing/2010/main">
                 <a:solidFill>
                   <a:schemeClr val="accent1"/>
                 </a:solidFill>
               </a14:hiddenFill>
             </a:ext>
             <a:ext uri="{91240B29-F687-4f45-9708-019B960494DF}">
-              <a14:hiddenLine xmlns:a14="http://schemas.microsoft.com/office/drawing/2010/main" xmlns="" w="9525">
+              <a14:hiddenLine xmlns="" xmlns:a14="http://schemas.microsoft.com/office/drawing/2010/main" w="9525">
                 <a:solidFill>
                   <a:schemeClr val="tx1"/>
                 </a:solidFill>
@@ -4637,7 +4637,7 @@
               </a14:hiddenLine>
             </a:ext>
             <a:ext uri="{AF507438-7753-43e0-B8FC-AC1667EBCBE1}">
-              <a14:hiddenEffects xmlns:a14="http://schemas.microsoft.com/office/drawing/2010/main" xmlns="">
+              <a14:hiddenEffects xmlns="" xmlns:a14="http://schemas.microsoft.com/office/drawing/2010/main">
                 <a:effectLst>
                   <a:outerShdw dist="35921" dir="2700000" algn="ctr" rotWithShape="0">
                     <a:schemeClr val="bg2"/>
@@ -10889,11 +10889,7 @@
             </a:br>
             <a:r>
               <a:rPr lang="en-US" dirty="0" err="1" smtClean="0"/>
-              <a:t>BayesianNetworkWriter</a:t>
-            </a:r>
-            <a:r>
-              <a:rPr lang="en-US" dirty="0" err="1" smtClean="0"/>
-              <a:t>.</a:t>
+              <a:t>BayesianNetworkWriter.</a:t>
             </a:r>
             <a:r>
               <a:rPr lang="en-US" i="1" dirty="0" err="1" smtClean="0"/>
@@ -10990,11 +10986,7 @@
             </a:br>
             <a:r>
               <a:rPr lang="en-US" dirty="0" err="1" smtClean="0"/>
-              <a:t>BayesianNetworkWriter</a:t>
-            </a:r>
-            <a:r>
-              <a:rPr lang="en-US" dirty="0" err="1" smtClean="0"/>
-              <a:t>ToHugin.</a:t>
+              <a:t>BayesianNetworkWriterToHugin.</a:t>
             </a:r>
             <a:r>
               <a:rPr lang="en-US" i="1" dirty="0" err="1" smtClean="0"/>
@@ -14059,10 +14051,6 @@
             <a:r>
               <a:rPr lang="en-US" dirty="0"/>
               <a:t> </a:t>
-            </a:r>
-            <a:r>
-              <a:rPr lang="en-US" dirty="0"/>
-              <a:t/>
             </a:r>
             <a:br>
               <a:rPr lang="en-US" dirty="0"/>
@@ -14307,11 +14295,7 @@
             </a:r>
             <a:r>
               <a:rPr lang="en-GB" baseline="0" dirty="0" smtClean="0"/>
-              <a:t> models </a:t>
-            </a:r>
-            <a:r>
-              <a:rPr lang="en-GB" baseline="0" dirty="0" smtClean="0"/>
-              <a:t>(</a:t>
+              <a:t> models (</a:t>
             </a:r>
             <a:r>
               <a:rPr lang="en-GB" dirty="0" smtClean="0"/>
@@ -23505,10 +23489,6 @@
             <a:r>
               <a:rPr lang="en-US" sz="1600" dirty="0"/>
               <a:t>); </a:t>
-            </a:r>
-            <a:r>
-              <a:rPr lang="en-US" sz="1600" dirty="0"/>
-              <a:t/>
             </a:r>
             <a:br>
               <a:rPr lang="en-US" sz="1600" dirty="0"/>
@@ -38210,6 +38190,887 @@
           <a:p>
             <a:r>
               <a:rPr lang="en-GB" dirty="0" smtClean="0"/>
+              <a:t>Set</a:t>
+            </a:r>
+            <a:r>
+              <a:rPr lang="en-GB" baseline="0" dirty="0" smtClean="0"/>
+              <a:t>ting up</a:t>
+            </a:r>
+            <a:endParaRPr lang="en-GB" dirty="0"/>
+          </a:p>
+        </p:txBody>
+      </p:sp>
+      <p:sp>
+        <p:nvSpPr>
+          <p:cNvPr id="4" name="Pladsholder til sidefod 3"/>
+          <p:cNvSpPr>
+            <a:spLocks noGrp="1"/>
+          </p:cNvSpPr>
+          <p:nvPr>
+            <p:ph type="ftr" sz="quarter" idx="11"/>
+          </p:nvPr>
+        </p:nvSpPr>
+        <p:spPr/>
+        <p:txBody>
+          <a:bodyPr/>
+          <a:lstStyle/>
+          <a:p>
+            <a:pPr algn="ctr"/>
+            <a:r>
+              <a:rPr lang="en-US" dirty="0" smtClean="0"/>
+              <a:t>AMIDST tutorial </a:t>
+            </a:r>
+            <a:endParaRPr lang="en-US" dirty="0"/>
+          </a:p>
+        </p:txBody>
+      </p:sp>
+      <p:sp>
+        <p:nvSpPr>
+          <p:cNvPr id="5" name="Pladsholder til diasnummer 4"/>
+          <p:cNvSpPr>
+            <a:spLocks noGrp="1"/>
+          </p:cNvSpPr>
+          <p:nvPr>
+            <p:ph type="sldNum" sz="quarter" idx="12"/>
+          </p:nvPr>
+        </p:nvSpPr>
+        <p:spPr/>
+        <p:txBody>
+          <a:bodyPr/>
+          <a:lstStyle/>
+          <a:p>
+            <a:fld id="{5DAF934F-C79E-435D-A6AE-5019505513F3}" type="slidenum">
+              <a:rPr lang="en-US" smtClean="0"/>
+              <a:t>4</a:t>
+            </a:fld>
+            <a:endParaRPr lang="en-US"/>
+          </a:p>
+        </p:txBody>
+      </p:sp>
+      <p:sp>
+        <p:nvSpPr>
+          <p:cNvPr id="8" name="Content Placeholder 2"/>
+          <p:cNvSpPr>
+            <a:spLocks noGrp="1"/>
+          </p:cNvSpPr>
+          <p:nvPr>
+            <p:ph idx="1"/>
+          </p:nvPr>
+        </p:nvSpPr>
+        <p:spPr>
+          <a:xfrm>
+            <a:off x="457200" y="1371600"/>
+            <a:ext cx="8229600" cy="4876800"/>
+          </a:xfrm>
+        </p:spPr>
+        <p:txBody>
+          <a:bodyPr>
+            <a:normAutofit/>
+          </a:bodyPr>
+          <a:lstStyle/>
+          <a:p>
+            <a:r>
+              <a:rPr lang="en-US" sz="2400" b="1" dirty="0" smtClean="0"/>
+              <a:t>Step 1</a:t>
+            </a:r>
+            <a:r>
+              <a:rPr lang="en-US" sz="2400" dirty="0" smtClean="0"/>
+              <a:t>: Download the example </a:t>
+            </a:r>
+            <a:r>
+              <a:rPr lang="en-US" sz="2400" dirty="0" smtClean="0"/>
+              <a:t>project</a:t>
+            </a:r>
+          </a:p>
+          <a:p>
+            <a:endParaRPr lang="en-US" sz="2400" dirty="0"/>
+          </a:p>
+          <a:p>
+            <a:pPr marL="457200" lvl="1" indent="0">
+              <a:buNone/>
+            </a:pPr>
+            <a:endParaRPr lang="en-US" sz="2400" dirty="0"/>
+          </a:p>
+          <a:p>
+            <a:pPr marL="457200" lvl="1" indent="0">
+              <a:buNone/>
+            </a:pPr>
+            <a:r>
+              <a:rPr lang="en-US" sz="2000" dirty="0" smtClean="0"/>
+              <a:t>(</a:t>
+            </a:r>
+            <a:r>
+              <a:rPr lang="en-US" sz="2000" dirty="0"/>
+              <a:t>or go to </a:t>
+            </a:r>
+            <a:r>
+              <a:rPr lang="en-US" sz="2000" dirty="0">
+                <a:hlinkClick r:id="rId2"/>
+              </a:rPr>
+              <a:t>https://github.com/amidst/toolbox</a:t>
+            </a:r>
+            <a:r>
+              <a:rPr lang="en-US" sz="2000" dirty="0" smtClean="0">
+                <a:hlinkClick r:id="rId2"/>
+              </a:rPr>
+              <a:t>)</a:t>
+            </a:r>
+            <a:endParaRPr lang="en-US" sz="2000" dirty="0"/>
+          </a:p>
+          <a:p>
+            <a:pPr marL="457200" lvl="1" indent="0">
+              <a:buNone/>
+            </a:pPr>
+            <a:endParaRPr lang="en-US" sz="2400" dirty="0"/>
+          </a:p>
+          <a:p>
+            <a:r>
+              <a:rPr lang="en-US" sz="2400" b="1" dirty="0" smtClean="0"/>
+              <a:t>Step 2: </a:t>
+            </a:r>
+            <a:r>
+              <a:rPr lang="en-US" sz="2400" dirty="0" smtClean="0"/>
+              <a:t>Open the downloaded project with </a:t>
+            </a:r>
+            <a:r>
+              <a:rPr lang="en-US" sz="2400" dirty="0" err="1" smtClean="0"/>
+              <a:t>IntelliJ</a:t>
+            </a:r>
+            <a:r>
+              <a:rPr lang="en-US" sz="2400" dirty="0" smtClean="0"/>
+              <a:t>:</a:t>
+            </a:r>
+          </a:p>
+          <a:p>
+            <a:endParaRPr lang="en-US" sz="2800" dirty="0" smtClean="0"/>
+          </a:p>
+        </p:txBody>
+      </p:sp>
+      <p:sp>
+        <p:nvSpPr>
+          <p:cNvPr id="20" name="TextBox 19"/>
+          <p:cNvSpPr txBox="1"/>
+          <p:nvPr/>
+        </p:nvSpPr>
+        <p:spPr>
+          <a:xfrm>
+            <a:off x="2073161" y="1940282"/>
+            <a:ext cx="5412727" cy="525886"/>
+          </a:xfrm>
+          <a:prstGeom prst="rect">
+            <a:avLst/>
+          </a:prstGeom>
+          <a:solidFill>
+            <a:schemeClr val="bg1">
+              <a:lumMod val="85000"/>
+            </a:schemeClr>
+          </a:solidFill>
+          <a:effectLst>
+            <a:glow>
+              <a:schemeClr val="accent1">
+                <a:alpha val="40000"/>
+              </a:schemeClr>
+            </a:glow>
+            <a:reflection endPos="0" dist="50800" dir="5400000" sy="-100000" algn="bl" rotWithShape="0"/>
+            <a:softEdge rad="31750"/>
+          </a:effectLst>
+        </p:spPr>
+        <p:txBody>
+          <a:bodyPr wrap="none" lIns="144000" tIns="108000" rIns="144000" bIns="108000" rtlCol="0">
+            <a:spAutoFit/>
+          </a:bodyPr>
+          <a:lstStyle/>
+          <a:p>
+            <a:r>
+              <a:rPr lang="en-US" sz="2000" dirty="0" smtClean="0"/>
+              <a:t>$ </a:t>
+            </a:r>
+            <a:r>
+              <a:rPr lang="en-US" sz="2000" dirty="0" err="1" smtClean="0"/>
+              <a:t>git</a:t>
+            </a:r>
+            <a:r>
+              <a:rPr lang="en-US" sz="2000" dirty="0" smtClean="0"/>
+              <a:t> </a:t>
+            </a:r>
+            <a:r>
+              <a:rPr lang="en-US" sz="2000" dirty="0"/>
+              <a:t>clone https://</a:t>
+            </a:r>
+            <a:r>
+              <a:rPr lang="en-US" sz="2000" dirty="0" err="1"/>
+              <a:t>github.com</a:t>
+            </a:r>
+            <a:r>
+              <a:rPr lang="en-US" sz="2000" dirty="0"/>
+              <a:t>/amidst/</a:t>
+            </a:r>
+            <a:r>
+              <a:rPr lang="en-US" sz="2000" dirty="0" err="1"/>
+              <a:t>tutorial.git</a:t>
+            </a:r>
+            <a:endParaRPr lang="en-US" sz="2000" dirty="0"/>
+          </a:p>
+        </p:txBody>
+      </p:sp>
+      <p:pic>
+        <p:nvPicPr>
+          <p:cNvPr id="3" name="Picture 2"/>
+          <p:cNvPicPr>
+            <a:picLocks noChangeAspect="1"/>
+          </p:cNvPicPr>
+          <p:nvPr/>
+        </p:nvPicPr>
+        <p:blipFill>
+          <a:blip r:embed="rId3">
+            <a:extLst>
+              <a:ext uri="{28A0092B-C50C-407E-A947-70E740481C1C}">
+                <a14:useLocalDpi xmlns:a14="http://schemas.microsoft.com/office/drawing/2010/main" val="0"/>
+              </a:ext>
+            </a:extLst>
+          </a:blip>
+          <a:stretch>
+            <a:fillRect/>
+          </a:stretch>
+        </p:blipFill>
+        <p:spPr>
+          <a:xfrm>
+            <a:off x="5102046" y="4217502"/>
+            <a:ext cx="2480514" cy="1802298"/>
+          </a:xfrm>
+          <a:prstGeom prst="rect">
+            <a:avLst/>
+          </a:prstGeom>
+          <a:effectLst>
+            <a:outerShdw blurRad="63500" sx="102000" sy="102000" algn="ctr" rotWithShape="0">
+              <a:prstClr val="black">
+                <a:alpha val="40000"/>
+              </a:prstClr>
+            </a:outerShdw>
+          </a:effectLst>
+        </p:spPr>
+      </p:pic>
+      <p:pic>
+        <p:nvPicPr>
+          <p:cNvPr id="21" name="Picture 20"/>
+          <p:cNvPicPr>
+            <a:picLocks noChangeAspect="1"/>
+          </p:cNvPicPr>
+          <p:nvPr/>
+        </p:nvPicPr>
+        <p:blipFill>
+          <a:blip r:embed="rId4">
+            <a:extLst>
+              <a:ext uri="{28A0092B-C50C-407E-A947-70E740481C1C}">
+                <a14:useLocalDpi xmlns:a14="http://schemas.microsoft.com/office/drawing/2010/main" val="0"/>
+              </a:ext>
+            </a:extLst>
+          </a:blip>
+          <a:stretch>
+            <a:fillRect/>
+          </a:stretch>
+        </p:blipFill>
+        <p:spPr>
+          <a:xfrm>
+            <a:off x="2081909" y="4238640"/>
+            <a:ext cx="1804291" cy="1781160"/>
+          </a:xfrm>
+          <a:prstGeom prst="rect">
+            <a:avLst/>
+          </a:prstGeom>
+          <a:effectLst>
+            <a:outerShdw blurRad="63500" sx="102000" sy="102000" algn="ctr" rotWithShape="0">
+              <a:prstClr val="black">
+                <a:alpha val="40000"/>
+              </a:prstClr>
+            </a:outerShdw>
+          </a:effectLst>
+        </p:spPr>
+      </p:pic>
+      <p:sp>
+        <p:nvSpPr>
+          <p:cNvPr id="22" name="Right Arrow 21"/>
+          <p:cNvSpPr/>
+          <p:nvPr/>
+        </p:nvSpPr>
+        <p:spPr>
+          <a:xfrm>
+            <a:off x="2133600" y="5361993"/>
+            <a:ext cx="304800" cy="124204"/>
+          </a:xfrm>
+          <a:prstGeom prst="rightArrow">
+            <a:avLst/>
+          </a:prstGeom>
+          <a:solidFill>
+            <a:srgbClr val="FF0000"/>
+          </a:solidFill>
+          <a:ln>
+            <a:solidFill>
+              <a:srgbClr val="FF0000"/>
+            </a:solidFill>
+          </a:ln>
+          <a:effectLst>
+            <a:outerShdw blurRad="50800" dist="76200" dir="8100000" algn="tr" rotWithShape="0">
+              <a:prstClr val="black">
+                <a:alpha val="40000"/>
+              </a:prstClr>
+            </a:outerShdw>
+          </a:effectLst>
+        </p:spPr>
+        <p:style>
+          <a:lnRef idx="2">
+            <a:schemeClr val="accent1">
+              <a:shade val="50000"/>
+            </a:schemeClr>
+          </a:lnRef>
+          <a:fillRef idx="1">
+            <a:schemeClr val="accent1"/>
+          </a:fillRef>
+          <a:effectRef idx="0">
+            <a:schemeClr val="accent1"/>
+          </a:effectRef>
+          <a:fontRef idx="minor">
+            <a:schemeClr val="lt1"/>
+          </a:fontRef>
+        </p:style>
+        <p:txBody>
+          <a:bodyPr rtlCol="0" anchor="ctr"/>
+          <a:lstStyle/>
+          <a:p>
+            <a:pPr algn="ctr"/>
+            <a:endParaRPr lang="en-US" dirty="0" smtClean="0">
+              <a:solidFill>
+                <a:schemeClr val="accent1">
+                  <a:lumMod val="75000"/>
+                </a:schemeClr>
+              </a:solidFill>
+            </a:endParaRPr>
+          </a:p>
+        </p:txBody>
+      </p:sp>
+      <p:sp>
+        <p:nvSpPr>
+          <p:cNvPr id="23" name="Right Arrow 22"/>
+          <p:cNvSpPr/>
+          <p:nvPr/>
+        </p:nvSpPr>
+        <p:spPr>
+          <a:xfrm>
+            <a:off x="4800600" y="4648200"/>
+            <a:ext cx="304800" cy="124204"/>
+          </a:xfrm>
+          <a:prstGeom prst="rightArrow">
+            <a:avLst/>
+          </a:prstGeom>
+          <a:solidFill>
+            <a:srgbClr val="FF0000"/>
+          </a:solidFill>
+          <a:ln>
+            <a:solidFill>
+              <a:srgbClr val="FF0000"/>
+            </a:solidFill>
+          </a:ln>
+          <a:effectLst>
+            <a:outerShdw blurRad="50800" dist="76200" dir="8100000" algn="tr" rotWithShape="0">
+              <a:prstClr val="black">
+                <a:alpha val="40000"/>
+              </a:prstClr>
+            </a:outerShdw>
+          </a:effectLst>
+        </p:spPr>
+        <p:style>
+          <a:lnRef idx="2">
+            <a:schemeClr val="accent1">
+              <a:shade val="50000"/>
+            </a:schemeClr>
+          </a:lnRef>
+          <a:fillRef idx="1">
+            <a:schemeClr val="accent1"/>
+          </a:fillRef>
+          <a:effectRef idx="0">
+            <a:schemeClr val="accent1"/>
+          </a:effectRef>
+          <a:fontRef idx="minor">
+            <a:schemeClr val="lt1"/>
+          </a:fontRef>
+        </p:style>
+        <p:txBody>
+          <a:bodyPr rtlCol="0" anchor="ctr"/>
+          <a:lstStyle/>
+          <a:p>
+            <a:pPr algn="ctr"/>
+            <a:endParaRPr lang="en-US" dirty="0" smtClean="0">
+              <a:solidFill>
+                <a:schemeClr val="accent1">
+                  <a:lumMod val="75000"/>
+                </a:schemeClr>
+              </a:solidFill>
+            </a:endParaRPr>
+          </a:p>
+        </p:txBody>
+      </p:sp>
+      <p:sp>
+        <p:nvSpPr>
+          <p:cNvPr id="24" name="Right Arrow 23"/>
+          <p:cNvSpPr/>
+          <p:nvPr/>
+        </p:nvSpPr>
+        <p:spPr>
+          <a:xfrm rot="10800000">
+            <a:off x="7543800" y="5761095"/>
+            <a:ext cx="304800" cy="124204"/>
+          </a:xfrm>
+          <a:prstGeom prst="rightArrow">
+            <a:avLst/>
+          </a:prstGeom>
+          <a:solidFill>
+            <a:srgbClr val="FF0000"/>
+          </a:solidFill>
+          <a:ln>
+            <a:solidFill>
+              <a:srgbClr val="FF0000"/>
+            </a:solidFill>
+          </a:ln>
+          <a:effectLst>
+            <a:outerShdw blurRad="50800" dist="76200" dir="8100000" algn="tr" rotWithShape="0">
+              <a:prstClr val="black">
+                <a:alpha val="40000"/>
+              </a:prstClr>
+            </a:outerShdw>
+          </a:effectLst>
+        </p:spPr>
+        <p:style>
+          <a:lnRef idx="2">
+            <a:schemeClr val="accent1">
+              <a:shade val="50000"/>
+            </a:schemeClr>
+          </a:lnRef>
+          <a:fillRef idx="1">
+            <a:schemeClr val="accent1"/>
+          </a:fillRef>
+          <a:effectRef idx="0">
+            <a:schemeClr val="accent1"/>
+          </a:effectRef>
+          <a:fontRef idx="minor">
+            <a:schemeClr val="lt1"/>
+          </a:fontRef>
+        </p:style>
+        <p:txBody>
+          <a:bodyPr rtlCol="0" anchor="ctr"/>
+          <a:lstStyle/>
+          <a:p>
+            <a:pPr algn="ctr"/>
+            <a:endParaRPr lang="en-US" dirty="0" smtClean="0">
+              <a:solidFill>
+                <a:schemeClr val="accent1">
+                  <a:lumMod val="75000"/>
+                </a:schemeClr>
+              </a:solidFill>
+            </a:endParaRPr>
+          </a:p>
+        </p:txBody>
+      </p:sp>
+    </p:spTree>
+    <p:extLst>
+      <p:ext uri="{BB962C8B-B14F-4D97-AF65-F5344CB8AC3E}">
+        <p14:creationId xmlns:p14="http://schemas.microsoft.com/office/powerpoint/2010/main" val="251184218"/>
+      </p:ext>
+    </p:extLst>
+  </p:cSld>
+  <p:clrMapOvr>
+    <a:masterClrMapping/>
+  </p:clrMapOvr>
+  <p:timing>
+    <p:tnLst>
+      <p:par>
+        <p:cTn id="1" dur="indefinite" restart="never" nodeType="tmRoot"/>
+      </p:par>
+    </p:tnLst>
+  </p:timing>
+</p:sld>
+</file>
+
+<file path=ppt/slides/slide5.xml><?xml version="1.0" encoding="utf-8"?>
+<p:sld xmlns:a="http://schemas.openxmlformats.org/drawingml/2006/main" xmlns:r="http://schemas.openxmlformats.org/officeDocument/2006/relationships" xmlns:p="http://schemas.openxmlformats.org/presentationml/2006/main">
+  <p:cSld>
+    <p:spTree>
+      <p:nvGrpSpPr>
+        <p:cNvPr id="1" name=""/>
+        <p:cNvGrpSpPr/>
+        <p:nvPr/>
+      </p:nvGrpSpPr>
+      <p:grpSpPr>
+        <a:xfrm>
+          <a:off x="0" y="0"/>
+          <a:ext cx="0" cy="0"/>
+          <a:chOff x="0" y="0"/>
+          <a:chExt cx="0" cy="0"/>
+        </a:xfrm>
+      </p:grpSpPr>
+      <p:sp>
+        <p:nvSpPr>
+          <p:cNvPr id="6" name="Titel 5"/>
+          <p:cNvSpPr>
+            <a:spLocks noGrp="1"/>
+          </p:cNvSpPr>
+          <p:nvPr>
+            <p:ph type="title"/>
+          </p:nvPr>
+        </p:nvSpPr>
+        <p:spPr/>
+        <p:txBody>
+          <a:bodyPr/>
+          <a:lstStyle/>
+          <a:p>
+            <a:r>
+              <a:rPr lang="en-GB" dirty="0" smtClean="0"/>
+              <a:t>Set</a:t>
+            </a:r>
+            <a:r>
+              <a:rPr lang="en-GB" baseline="0" dirty="0" smtClean="0"/>
+              <a:t>ting up</a:t>
+            </a:r>
+            <a:endParaRPr lang="en-GB" dirty="0"/>
+          </a:p>
+        </p:txBody>
+      </p:sp>
+      <p:sp>
+        <p:nvSpPr>
+          <p:cNvPr id="4" name="Pladsholder til sidefod 3"/>
+          <p:cNvSpPr>
+            <a:spLocks noGrp="1"/>
+          </p:cNvSpPr>
+          <p:nvPr>
+            <p:ph type="ftr" sz="quarter" idx="11"/>
+          </p:nvPr>
+        </p:nvSpPr>
+        <p:spPr/>
+        <p:txBody>
+          <a:bodyPr/>
+          <a:lstStyle/>
+          <a:p>
+            <a:pPr algn="ctr"/>
+            <a:r>
+              <a:rPr lang="en-US" dirty="0" smtClean="0"/>
+              <a:t>AMIDST tutorial </a:t>
+            </a:r>
+            <a:endParaRPr lang="en-US" dirty="0"/>
+          </a:p>
+        </p:txBody>
+      </p:sp>
+      <p:sp>
+        <p:nvSpPr>
+          <p:cNvPr id="5" name="Pladsholder til diasnummer 4"/>
+          <p:cNvSpPr>
+            <a:spLocks noGrp="1"/>
+          </p:cNvSpPr>
+          <p:nvPr>
+            <p:ph type="sldNum" sz="quarter" idx="12"/>
+          </p:nvPr>
+        </p:nvSpPr>
+        <p:spPr/>
+        <p:txBody>
+          <a:bodyPr/>
+          <a:lstStyle/>
+          <a:p>
+            <a:fld id="{5DAF934F-C79E-435D-A6AE-5019505513F3}" type="slidenum">
+              <a:rPr lang="en-US" smtClean="0"/>
+              <a:t>5</a:t>
+            </a:fld>
+            <a:endParaRPr lang="en-US"/>
+          </a:p>
+        </p:txBody>
+      </p:sp>
+      <p:sp>
+        <p:nvSpPr>
+          <p:cNvPr id="8" name="Content Placeholder 2"/>
+          <p:cNvSpPr>
+            <a:spLocks noGrp="1"/>
+          </p:cNvSpPr>
+          <p:nvPr>
+            <p:ph idx="1"/>
+          </p:nvPr>
+        </p:nvSpPr>
+        <p:spPr>
+          <a:xfrm>
+            <a:off x="457200" y="1371600"/>
+            <a:ext cx="8229600" cy="4876800"/>
+          </a:xfrm>
+        </p:spPr>
+        <p:txBody>
+          <a:bodyPr/>
+          <a:lstStyle/>
+          <a:p>
+            <a:r>
+              <a:rPr lang="en-US" b="1" dirty="0" smtClean="0"/>
+              <a:t>Step</a:t>
+            </a:r>
+            <a:r>
+              <a:rPr lang="en-US" b="1" baseline="0" dirty="0" smtClean="0"/>
+              <a:t> 3</a:t>
+            </a:r>
+            <a:r>
+              <a:rPr lang="en-US" baseline="0" dirty="0" smtClean="0"/>
+              <a:t>: Download source code and </a:t>
+            </a:r>
+            <a:r>
+              <a:rPr lang="en-US" baseline="0" dirty="0" err="1" smtClean="0"/>
+              <a:t>javadoc</a:t>
+            </a:r>
+            <a:endParaRPr lang="en-US" dirty="0" smtClean="0"/>
+          </a:p>
+        </p:txBody>
+      </p:sp>
+      <p:pic>
+        <p:nvPicPr>
+          <p:cNvPr id="2" name="Picture 1"/>
+          <p:cNvPicPr>
+            <a:picLocks noChangeAspect="1"/>
+          </p:cNvPicPr>
+          <p:nvPr/>
+        </p:nvPicPr>
+        <p:blipFill>
+          <a:blip r:embed="rId2">
+            <a:extLst>
+              <a:ext uri="{28A0092B-C50C-407E-A947-70E740481C1C}">
+                <a14:useLocalDpi xmlns:a14="http://schemas.microsoft.com/office/drawing/2010/main" val="0"/>
+              </a:ext>
+            </a:extLst>
+          </a:blip>
+          <a:stretch>
+            <a:fillRect/>
+          </a:stretch>
+        </p:blipFill>
+        <p:spPr>
+          <a:xfrm>
+            <a:off x="1104900" y="2909851"/>
+            <a:ext cx="2659253" cy="1814549"/>
+          </a:xfrm>
+          <a:prstGeom prst="rect">
+            <a:avLst/>
+          </a:prstGeom>
+          <a:effectLst>
+            <a:outerShdw blurRad="50800" dist="76200" dir="8100000" algn="tr" rotWithShape="0">
+              <a:prstClr val="black">
+                <a:alpha val="40000"/>
+              </a:prstClr>
+            </a:outerShdw>
+          </a:effectLst>
+        </p:spPr>
+      </p:pic>
+      <p:pic>
+        <p:nvPicPr>
+          <p:cNvPr id="3" name="Picture 2"/>
+          <p:cNvPicPr>
+            <a:picLocks noChangeAspect="1"/>
+          </p:cNvPicPr>
+          <p:nvPr/>
+        </p:nvPicPr>
+        <p:blipFill>
+          <a:blip r:embed="rId3">
+            <a:extLst>
+              <a:ext uri="{28A0092B-C50C-407E-A947-70E740481C1C}">
+                <a14:useLocalDpi xmlns:a14="http://schemas.microsoft.com/office/drawing/2010/main" val="0"/>
+              </a:ext>
+            </a:extLst>
+          </a:blip>
+          <a:stretch>
+            <a:fillRect/>
+          </a:stretch>
+        </p:blipFill>
+        <p:spPr>
+          <a:xfrm>
+            <a:off x="5000176" y="3324870"/>
+            <a:ext cx="2717800" cy="984509"/>
+          </a:xfrm>
+          <a:prstGeom prst="rect">
+            <a:avLst/>
+          </a:prstGeom>
+          <a:effectLst>
+            <a:outerShdw blurRad="50800" dist="76200" dir="8100000" algn="tr" rotWithShape="0">
+              <a:prstClr val="black">
+                <a:alpha val="40000"/>
+              </a:prstClr>
+            </a:outerShdw>
+          </a:effectLst>
+        </p:spPr>
+      </p:pic>
+      <p:sp>
+        <p:nvSpPr>
+          <p:cNvPr id="9" name="Right Arrow 8"/>
+          <p:cNvSpPr/>
+          <p:nvPr/>
+        </p:nvSpPr>
+        <p:spPr>
+          <a:xfrm rot="5400000">
+            <a:off x="1441174" y="2908852"/>
+            <a:ext cx="228600" cy="76200"/>
+          </a:xfrm>
+          <a:prstGeom prst="rightArrow">
+            <a:avLst/>
+          </a:prstGeom>
+          <a:solidFill>
+            <a:srgbClr val="FF0000"/>
+          </a:solidFill>
+          <a:ln>
+            <a:solidFill>
+              <a:srgbClr val="FF0000"/>
+            </a:solidFill>
+          </a:ln>
+          <a:effectLst>
+            <a:outerShdw blurRad="50800" dist="76200" dir="8100000" algn="tr" rotWithShape="0">
+              <a:prstClr val="black">
+                <a:alpha val="40000"/>
+              </a:prstClr>
+            </a:outerShdw>
+          </a:effectLst>
+        </p:spPr>
+        <p:style>
+          <a:lnRef idx="2">
+            <a:schemeClr val="accent1">
+              <a:shade val="50000"/>
+            </a:schemeClr>
+          </a:lnRef>
+          <a:fillRef idx="1">
+            <a:schemeClr val="accent1"/>
+          </a:fillRef>
+          <a:effectRef idx="0">
+            <a:schemeClr val="accent1"/>
+          </a:effectRef>
+          <a:fontRef idx="minor">
+            <a:schemeClr val="lt1"/>
+          </a:fontRef>
+        </p:style>
+        <p:txBody>
+          <a:bodyPr rtlCol="0" anchor="ctr"/>
+          <a:lstStyle/>
+          <a:p>
+            <a:pPr algn="ctr"/>
+            <a:endParaRPr lang="en-US" dirty="0" smtClean="0">
+              <a:solidFill>
+                <a:schemeClr val="accent1">
+                  <a:lumMod val="75000"/>
+                </a:schemeClr>
+              </a:solidFill>
+            </a:endParaRPr>
+          </a:p>
+        </p:txBody>
+      </p:sp>
+      <p:sp>
+        <p:nvSpPr>
+          <p:cNvPr id="10" name="Right Arrow 9"/>
+          <p:cNvSpPr/>
+          <p:nvPr/>
+        </p:nvSpPr>
+        <p:spPr>
+          <a:xfrm rot="10800000">
+            <a:off x="7804266" y="3911139"/>
+            <a:ext cx="228600" cy="76200"/>
+          </a:xfrm>
+          <a:prstGeom prst="rightArrow">
+            <a:avLst/>
+          </a:prstGeom>
+          <a:solidFill>
+            <a:srgbClr val="FF0000"/>
+          </a:solidFill>
+          <a:ln>
+            <a:solidFill>
+              <a:srgbClr val="FF0000"/>
+            </a:solidFill>
+          </a:ln>
+          <a:effectLst>
+            <a:outerShdw blurRad="50800" dist="76200" dir="8100000" algn="tr" rotWithShape="0">
+              <a:prstClr val="black">
+                <a:alpha val="40000"/>
+              </a:prstClr>
+            </a:outerShdw>
+          </a:effectLst>
+        </p:spPr>
+        <p:style>
+          <a:lnRef idx="2">
+            <a:schemeClr val="accent1">
+              <a:shade val="50000"/>
+            </a:schemeClr>
+          </a:lnRef>
+          <a:fillRef idx="1">
+            <a:schemeClr val="accent1"/>
+          </a:fillRef>
+          <a:effectRef idx="0">
+            <a:schemeClr val="accent1"/>
+          </a:effectRef>
+          <a:fontRef idx="minor">
+            <a:schemeClr val="lt1"/>
+          </a:fontRef>
+        </p:style>
+        <p:txBody>
+          <a:bodyPr rtlCol="0" anchor="ctr"/>
+          <a:lstStyle/>
+          <a:p>
+            <a:pPr algn="ctr"/>
+            <a:endParaRPr lang="en-US" dirty="0" smtClean="0">
+              <a:solidFill>
+                <a:schemeClr val="accent1">
+                  <a:lumMod val="75000"/>
+                </a:schemeClr>
+              </a:solidFill>
+            </a:endParaRPr>
+          </a:p>
+        </p:txBody>
+      </p:sp>
+    </p:spTree>
+    <p:extLst>
+      <p:ext uri="{BB962C8B-B14F-4D97-AF65-F5344CB8AC3E}">
+        <p14:creationId xmlns:p14="http://schemas.microsoft.com/office/powerpoint/2010/main" val="1847785571"/>
+      </p:ext>
+    </p:extLst>
+  </p:cSld>
+  <p:clrMapOvr>
+    <a:masterClrMapping/>
+  </p:clrMapOvr>
+  <p:timing>
+    <p:tnLst>
+      <p:par>
+        <p:cTn id="1" dur="indefinite" restart="never" nodeType="tmRoot"/>
+      </p:par>
+    </p:tnLst>
+  </p:timing>
+</p:sld>
+</file>
+
+<file path=ppt/slides/slide6.xml><?xml version="1.0" encoding="utf-8"?>
+<p:sld xmlns:a="http://schemas.openxmlformats.org/drawingml/2006/main" xmlns:r="http://schemas.openxmlformats.org/officeDocument/2006/relationships" xmlns:p="http://schemas.openxmlformats.org/presentationml/2006/main">
+  <p:cSld>
+    <p:spTree>
+      <p:nvGrpSpPr>
+        <p:cNvPr id="1" name=""/>
+        <p:cNvGrpSpPr/>
+        <p:nvPr/>
+      </p:nvGrpSpPr>
+      <p:grpSpPr>
+        <a:xfrm>
+          <a:off x="0" y="0"/>
+          <a:ext cx="0" cy="0"/>
+          <a:chOff x="0" y="0"/>
+          <a:chExt cx="0" cy="0"/>
+        </a:xfrm>
+      </p:grpSpPr>
+      <p:sp>
+        <p:nvSpPr>
+          <p:cNvPr id="6" name="Titel 5"/>
+          <p:cNvSpPr>
+            <a:spLocks noGrp="1"/>
+          </p:cNvSpPr>
+          <p:nvPr>
+            <p:ph type="title"/>
+          </p:nvPr>
+        </p:nvSpPr>
+        <p:spPr/>
+        <p:txBody>
+          <a:bodyPr/>
+          <a:lstStyle/>
+          <a:p>
+            <a:r>
+              <a:rPr lang="en-GB" dirty="0" smtClean="0"/>
               <a:t>Overview</a:t>
             </a:r>
             <a:endParaRPr lang="en-GB" dirty="0"/>
@@ -38267,7 +39128,7 @@
           <a:p>
             <a:fld id="{5DAF934F-C79E-435D-A6AE-5019505513F3}" type="slidenum">
               <a:rPr lang="en-US" smtClean="0"/>
-              <a:t>4</a:t>
+              <a:t>6</a:t>
             </a:fld>
             <a:endParaRPr lang="en-US"/>
           </a:p>
@@ -49173,847 +50034,6 @@
     <p:extLst>
       <p:ext uri="{BB962C8B-B14F-4D97-AF65-F5344CB8AC3E}">
         <p14:creationId xmlns:p14="http://schemas.microsoft.com/office/powerpoint/2010/main" val="301690019"/>
-      </p:ext>
-    </p:extLst>
-  </p:cSld>
-  <p:clrMapOvr>
-    <a:masterClrMapping/>
-  </p:clrMapOvr>
-  <p:timing>
-    <p:tnLst>
-      <p:par>
-        <p:cTn id="1" dur="indefinite" restart="never" nodeType="tmRoot"/>
-      </p:par>
-    </p:tnLst>
-  </p:timing>
-</p:sld>
-</file>
-
-<file path=ppt/slides/slide5.xml><?xml version="1.0" encoding="utf-8"?>
-<p:sld xmlns:a="http://schemas.openxmlformats.org/drawingml/2006/main" xmlns:r="http://schemas.openxmlformats.org/officeDocument/2006/relationships" xmlns:p="http://schemas.openxmlformats.org/presentationml/2006/main">
-  <p:cSld>
-    <p:spTree>
-      <p:nvGrpSpPr>
-        <p:cNvPr id="1" name=""/>
-        <p:cNvGrpSpPr/>
-        <p:nvPr/>
-      </p:nvGrpSpPr>
-      <p:grpSpPr>
-        <a:xfrm>
-          <a:off x="0" y="0"/>
-          <a:ext cx="0" cy="0"/>
-          <a:chOff x="0" y="0"/>
-          <a:chExt cx="0" cy="0"/>
-        </a:xfrm>
-      </p:grpSpPr>
-      <p:sp>
-        <p:nvSpPr>
-          <p:cNvPr id="6" name="Titel 5"/>
-          <p:cNvSpPr>
-            <a:spLocks noGrp="1"/>
-          </p:cNvSpPr>
-          <p:nvPr>
-            <p:ph type="title"/>
-          </p:nvPr>
-        </p:nvSpPr>
-        <p:spPr/>
-        <p:txBody>
-          <a:bodyPr/>
-          <a:lstStyle/>
-          <a:p>
-            <a:r>
-              <a:rPr lang="en-GB" dirty="0" smtClean="0"/>
-              <a:t>Set</a:t>
-            </a:r>
-            <a:r>
-              <a:rPr lang="en-GB" baseline="0" dirty="0" smtClean="0"/>
-              <a:t>ting up</a:t>
-            </a:r>
-            <a:endParaRPr lang="en-GB" dirty="0"/>
-          </a:p>
-        </p:txBody>
-      </p:sp>
-      <p:sp>
-        <p:nvSpPr>
-          <p:cNvPr id="4" name="Pladsholder til sidefod 3"/>
-          <p:cNvSpPr>
-            <a:spLocks noGrp="1"/>
-          </p:cNvSpPr>
-          <p:nvPr>
-            <p:ph type="ftr" sz="quarter" idx="11"/>
-          </p:nvPr>
-        </p:nvSpPr>
-        <p:spPr/>
-        <p:txBody>
-          <a:bodyPr/>
-          <a:lstStyle/>
-          <a:p>
-            <a:pPr algn="ctr"/>
-            <a:r>
-              <a:rPr lang="en-US" dirty="0" smtClean="0"/>
-              <a:t>AMIDST tutorial </a:t>
-            </a:r>
-            <a:endParaRPr lang="en-US" dirty="0"/>
-          </a:p>
-        </p:txBody>
-      </p:sp>
-      <p:sp>
-        <p:nvSpPr>
-          <p:cNvPr id="5" name="Pladsholder til diasnummer 4"/>
-          <p:cNvSpPr>
-            <a:spLocks noGrp="1"/>
-          </p:cNvSpPr>
-          <p:nvPr>
-            <p:ph type="sldNum" sz="quarter" idx="12"/>
-          </p:nvPr>
-        </p:nvSpPr>
-        <p:spPr/>
-        <p:txBody>
-          <a:bodyPr/>
-          <a:lstStyle/>
-          <a:p>
-            <a:fld id="{5DAF934F-C79E-435D-A6AE-5019505513F3}" type="slidenum">
-              <a:rPr lang="en-US" smtClean="0"/>
-              <a:t>5</a:t>
-            </a:fld>
-            <a:endParaRPr lang="en-US"/>
-          </a:p>
-        </p:txBody>
-      </p:sp>
-      <p:sp>
-        <p:nvSpPr>
-          <p:cNvPr id="8" name="Content Placeholder 2"/>
-          <p:cNvSpPr>
-            <a:spLocks noGrp="1"/>
-          </p:cNvSpPr>
-          <p:nvPr>
-            <p:ph idx="1"/>
-          </p:nvPr>
-        </p:nvSpPr>
-        <p:spPr>
-          <a:xfrm>
-            <a:off x="457200" y="1371600"/>
-            <a:ext cx="8229600" cy="4876800"/>
-          </a:xfrm>
-        </p:spPr>
-        <p:txBody>
-          <a:bodyPr/>
-          <a:lstStyle/>
-          <a:p>
-            <a:r>
-              <a:rPr lang="en-US" sz="2800" b="1" dirty="0" smtClean="0"/>
-              <a:t>Step 1</a:t>
-            </a:r>
-            <a:r>
-              <a:rPr lang="en-US" sz="2800" dirty="0" smtClean="0"/>
-              <a:t>: Download the example project</a:t>
-            </a:r>
-            <a:endParaRPr lang="en-US" sz="2800" dirty="0"/>
-          </a:p>
-          <a:p>
-            <a:endParaRPr lang="en-US" dirty="0" smtClean="0"/>
-          </a:p>
-          <a:p>
-            <a:endParaRPr lang="en-US" dirty="0"/>
-          </a:p>
-          <a:p>
-            <a:r>
-              <a:rPr lang="en-US" sz="2800" b="1" dirty="0" smtClean="0"/>
-              <a:t>Step 2: </a:t>
-            </a:r>
-            <a:r>
-              <a:rPr lang="en-US" sz="2800" dirty="0" smtClean="0"/>
-              <a:t>Open the downloaded project with </a:t>
-            </a:r>
-            <a:r>
-              <a:rPr lang="en-US" sz="2800" dirty="0" err="1" smtClean="0"/>
-              <a:t>IntelliJ</a:t>
-            </a:r>
-            <a:r>
-              <a:rPr lang="en-US" sz="2800" dirty="0" smtClean="0"/>
-              <a:t>:</a:t>
-            </a:r>
-          </a:p>
-          <a:p>
-            <a:endParaRPr lang="en-US" dirty="0" smtClean="0"/>
-          </a:p>
-        </p:txBody>
-      </p:sp>
-      <p:sp>
-        <p:nvSpPr>
-          <p:cNvPr id="20" name="TextBox 19"/>
-          <p:cNvSpPr txBox="1"/>
-          <p:nvPr/>
-        </p:nvSpPr>
-        <p:spPr>
-          <a:xfrm>
-            <a:off x="1365114" y="2257969"/>
-            <a:ext cx="6413771" cy="587441"/>
-          </a:xfrm>
-          <a:prstGeom prst="rect">
-            <a:avLst/>
-          </a:prstGeom>
-          <a:solidFill>
-            <a:schemeClr val="bg1">
-              <a:lumMod val="85000"/>
-            </a:schemeClr>
-          </a:solidFill>
-          <a:effectLst>
-            <a:glow>
-              <a:schemeClr val="accent1">
-                <a:alpha val="40000"/>
-              </a:schemeClr>
-            </a:glow>
-            <a:reflection endPos="0" dist="50800" dir="5400000" sy="-100000" algn="bl" rotWithShape="0"/>
-            <a:softEdge rad="31750"/>
-          </a:effectLst>
-        </p:spPr>
-        <p:txBody>
-          <a:bodyPr wrap="none" lIns="144000" tIns="108000" rIns="144000" bIns="108000" rtlCol="0">
-            <a:spAutoFit/>
-          </a:bodyPr>
-          <a:lstStyle/>
-          <a:p>
-            <a:r>
-              <a:rPr lang="en-US" sz="2400" smtClean="0"/>
-              <a:t>$ </a:t>
-            </a:r>
-            <a:r>
-              <a:rPr lang="en-US" sz="2400" dirty="0" err="1" smtClean="0"/>
-              <a:t>git</a:t>
-            </a:r>
-            <a:r>
-              <a:rPr lang="en-US" sz="2400" dirty="0" smtClean="0"/>
-              <a:t> </a:t>
-            </a:r>
-            <a:r>
-              <a:rPr lang="en-US" sz="2400" dirty="0"/>
-              <a:t>clone https://</a:t>
-            </a:r>
-            <a:r>
-              <a:rPr lang="en-US" sz="2400" dirty="0" err="1"/>
-              <a:t>github.com</a:t>
-            </a:r>
-            <a:r>
-              <a:rPr lang="en-US" sz="2400" dirty="0"/>
-              <a:t>/amidst/</a:t>
-            </a:r>
-            <a:r>
-              <a:rPr lang="en-US" sz="2400" dirty="0" err="1"/>
-              <a:t>tutorial.git</a:t>
-            </a:r>
-            <a:endParaRPr lang="en-US" sz="2400" dirty="0"/>
-          </a:p>
-        </p:txBody>
-      </p:sp>
-      <p:pic>
-        <p:nvPicPr>
-          <p:cNvPr id="3" name="Picture 2"/>
-          <p:cNvPicPr>
-            <a:picLocks noChangeAspect="1"/>
-          </p:cNvPicPr>
-          <p:nvPr/>
-        </p:nvPicPr>
-        <p:blipFill>
-          <a:blip r:embed="rId2">
-            <a:extLst>
-              <a:ext uri="{28A0092B-C50C-407E-A947-70E740481C1C}">
-                <a14:useLocalDpi xmlns:a14="http://schemas.microsoft.com/office/drawing/2010/main" val="0"/>
-              </a:ext>
-            </a:extLst>
-          </a:blip>
-          <a:stretch>
-            <a:fillRect/>
-          </a:stretch>
-        </p:blipFill>
-        <p:spPr>
-          <a:xfrm>
-            <a:off x="4987086" y="4019007"/>
-            <a:ext cx="2480514" cy="1802298"/>
-          </a:xfrm>
-          <a:prstGeom prst="rect">
-            <a:avLst/>
-          </a:prstGeom>
-          <a:effectLst>
-            <a:outerShdw blurRad="63500" sx="102000" sy="102000" algn="ctr" rotWithShape="0">
-              <a:prstClr val="black">
-                <a:alpha val="40000"/>
-              </a:prstClr>
-            </a:outerShdw>
-          </a:effectLst>
-        </p:spPr>
-      </p:pic>
-      <p:pic>
-        <p:nvPicPr>
-          <p:cNvPr id="21" name="Picture 20"/>
-          <p:cNvPicPr>
-            <a:picLocks noChangeAspect="1"/>
-          </p:cNvPicPr>
-          <p:nvPr/>
-        </p:nvPicPr>
-        <p:blipFill>
-          <a:blip r:embed="rId3">
-            <a:extLst>
-              <a:ext uri="{28A0092B-C50C-407E-A947-70E740481C1C}">
-                <a14:useLocalDpi xmlns:a14="http://schemas.microsoft.com/office/drawing/2010/main" val="0"/>
-              </a:ext>
-            </a:extLst>
-          </a:blip>
-          <a:stretch>
-            <a:fillRect/>
-          </a:stretch>
-        </p:blipFill>
-        <p:spPr>
-          <a:xfrm>
-            <a:off x="1881308" y="3705037"/>
-            <a:ext cx="2576392" cy="2543363"/>
-          </a:xfrm>
-          <a:prstGeom prst="rect">
-            <a:avLst/>
-          </a:prstGeom>
-          <a:effectLst>
-            <a:outerShdw blurRad="63500" sx="102000" sy="102000" algn="ctr" rotWithShape="0">
-              <a:prstClr val="black">
-                <a:alpha val="40000"/>
-              </a:prstClr>
-            </a:outerShdw>
-          </a:effectLst>
-        </p:spPr>
-      </p:pic>
-      <p:sp>
-        <p:nvSpPr>
-          <p:cNvPr id="22" name="Right Arrow 21"/>
-          <p:cNvSpPr/>
-          <p:nvPr/>
-        </p:nvSpPr>
-        <p:spPr>
-          <a:xfrm>
-            <a:off x="2133600" y="5361993"/>
-            <a:ext cx="304800" cy="124204"/>
-          </a:xfrm>
-          <a:prstGeom prst="rightArrow">
-            <a:avLst/>
-          </a:prstGeom>
-          <a:solidFill>
-            <a:srgbClr val="FF0000"/>
-          </a:solidFill>
-          <a:ln>
-            <a:solidFill>
-              <a:srgbClr val="FF0000"/>
-            </a:solidFill>
-          </a:ln>
-          <a:effectLst>
-            <a:outerShdw blurRad="50800" dist="76200" dir="8100000" algn="tr" rotWithShape="0">
-              <a:prstClr val="black">
-                <a:alpha val="40000"/>
-              </a:prstClr>
-            </a:outerShdw>
-          </a:effectLst>
-        </p:spPr>
-        <p:style>
-          <a:lnRef idx="2">
-            <a:schemeClr val="accent1">
-              <a:shade val="50000"/>
-            </a:schemeClr>
-          </a:lnRef>
-          <a:fillRef idx="1">
-            <a:schemeClr val="accent1"/>
-          </a:fillRef>
-          <a:effectRef idx="0">
-            <a:schemeClr val="accent1"/>
-          </a:effectRef>
-          <a:fontRef idx="minor">
-            <a:schemeClr val="lt1"/>
-          </a:fontRef>
-        </p:style>
-        <p:txBody>
-          <a:bodyPr rtlCol="0" anchor="ctr"/>
-          <a:lstStyle/>
-          <a:p>
-            <a:pPr algn="ctr"/>
-            <a:endParaRPr lang="en-US" dirty="0" smtClean="0">
-              <a:solidFill>
-                <a:schemeClr val="accent1">
-                  <a:lumMod val="75000"/>
-                </a:schemeClr>
-              </a:solidFill>
-            </a:endParaRPr>
-          </a:p>
-        </p:txBody>
-      </p:sp>
-      <p:sp>
-        <p:nvSpPr>
-          <p:cNvPr id="23" name="Right Arrow 22"/>
-          <p:cNvSpPr/>
-          <p:nvPr/>
-        </p:nvSpPr>
-        <p:spPr>
-          <a:xfrm>
-            <a:off x="4580879" y="4353075"/>
-            <a:ext cx="304800" cy="124204"/>
-          </a:xfrm>
-          <a:prstGeom prst="rightArrow">
-            <a:avLst/>
-          </a:prstGeom>
-          <a:solidFill>
-            <a:srgbClr val="FF0000"/>
-          </a:solidFill>
-          <a:ln>
-            <a:solidFill>
-              <a:srgbClr val="FF0000"/>
-            </a:solidFill>
-          </a:ln>
-          <a:effectLst>
-            <a:outerShdw blurRad="50800" dist="76200" dir="8100000" algn="tr" rotWithShape="0">
-              <a:prstClr val="black">
-                <a:alpha val="40000"/>
-              </a:prstClr>
-            </a:outerShdw>
-          </a:effectLst>
-        </p:spPr>
-        <p:style>
-          <a:lnRef idx="2">
-            <a:schemeClr val="accent1">
-              <a:shade val="50000"/>
-            </a:schemeClr>
-          </a:lnRef>
-          <a:fillRef idx="1">
-            <a:schemeClr val="accent1"/>
-          </a:fillRef>
-          <a:effectRef idx="0">
-            <a:schemeClr val="accent1"/>
-          </a:effectRef>
-          <a:fontRef idx="minor">
-            <a:schemeClr val="lt1"/>
-          </a:fontRef>
-        </p:style>
-        <p:txBody>
-          <a:bodyPr rtlCol="0" anchor="ctr"/>
-          <a:lstStyle/>
-          <a:p>
-            <a:pPr algn="ctr"/>
-            <a:endParaRPr lang="en-US" dirty="0" smtClean="0">
-              <a:solidFill>
-                <a:schemeClr val="accent1">
-                  <a:lumMod val="75000"/>
-                </a:schemeClr>
-              </a:solidFill>
-            </a:endParaRPr>
-          </a:p>
-        </p:txBody>
-      </p:sp>
-      <p:sp>
-        <p:nvSpPr>
-          <p:cNvPr id="24" name="Right Arrow 23"/>
-          <p:cNvSpPr/>
-          <p:nvPr/>
-        </p:nvSpPr>
-        <p:spPr>
-          <a:xfrm rot="10800000">
-            <a:off x="7428840" y="5562600"/>
-            <a:ext cx="304800" cy="124204"/>
-          </a:xfrm>
-          <a:prstGeom prst="rightArrow">
-            <a:avLst/>
-          </a:prstGeom>
-          <a:solidFill>
-            <a:srgbClr val="FF0000"/>
-          </a:solidFill>
-          <a:ln>
-            <a:solidFill>
-              <a:srgbClr val="FF0000"/>
-            </a:solidFill>
-          </a:ln>
-          <a:effectLst>
-            <a:outerShdw blurRad="50800" dist="76200" dir="8100000" algn="tr" rotWithShape="0">
-              <a:prstClr val="black">
-                <a:alpha val="40000"/>
-              </a:prstClr>
-            </a:outerShdw>
-          </a:effectLst>
-        </p:spPr>
-        <p:style>
-          <a:lnRef idx="2">
-            <a:schemeClr val="accent1">
-              <a:shade val="50000"/>
-            </a:schemeClr>
-          </a:lnRef>
-          <a:fillRef idx="1">
-            <a:schemeClr val="accent1"/>
-          </a:fillRef>
-          <a:effectRef idx="0">
-            <a:schemeClr val="accent1"/>
-          </a:effectRef>
-          <a:fontRef idx="minor">
-            <a:schemeClr val="lt1"/>
-          </a:fontRef>
-        </p:style>
-        <p:txBody>
-          <a:bodyPr rtlCol="0" anchor="ctr"/>
-          <a:lstStyle/>
-          <a:p>
-            <a:pPr algn="ctr"/>
-            <a:endParaRPr lang="en-US" dirty="0" smtClean="0">
-              <a:solidFill>
-                <a:schemeClr val="accent1">
-                  <a:lumMod val="75000"/>
-                </a:schemeClr>
-              </a:solidFill>
-            </a:endParaRPr>
-          </a:p>
-        </p:txBody>
-      </p:sp>
-    </p:spTree>
-    <p:extLst>
-      <p:ext uri="{BB962C8B-B14F-4D97-AF65-F5344CB8AC3E}">
-        <p14:creationId xmlns:p14="http://schemas.microsoft.com/office/powerpoint/2010/main" val="1065356005"/>
-      </p:ext>
-    </p:extLst>
-  </p:cSld>
-  <p:clrMapOvr>
-    <a:masterClrMapping/>
-  </p:clrMapOvr>
-  <p:timing>
-    <p:tnLst>
-      <p:par>
-        <p:cTn id="1" dur="indefinite" restart="never" nodeType="tmRoot"/>
-      </p:par>
-    </p:tnLst>
-  </p:timing>
-</p:sld>
-</file>
-
-<file path=ppt/slides/slide6.xml><?xml version="1.0" encoding="utf-8"?>
-<p:sld xmlns:a="http://schemas.openxmlformats.org/drawingml/2006/main" xmlns:r="http://schemas.openxmlformats.org/officeDocument/2006/relationships" xmlns:p="http://schemas.openxmlformats.org/presentationml/2006/main">
-  <p:cSld>
-    <p:spTree>
-      <p:nvGrpSpPr>
-        <p:cNvPr id="1" name=""/>
-        <p:cNvGrpSpPr/>
-        <p:nvPr/>
-      </p:nvGrpSpPr>
-      <p:grpSpPr>
-        <a:xfrm>
-          <a:off x="0" y="0"/>
-          <a:ext cx="0" cy="0"/>
-          <a:chOff x="0" y="0"/>
-          <a:chExt cx="0" cy="0"/>
-        </a:xfrm>
-      </p:grpSpPr>
-      <p:sp>
-        <p:nvSpPr>
-          <p:cNvPr id="6" name="Titel 5"/>
-          <p:cNvSpPr>
-            <a:spLocks noGrp="1"/>
-          </p:cNvSpPr>
-          <p:nvPr>
-            <p:ph type="title"/>
-          </p:nvPr>
-        </p:nvSpPr>
-        <p:spPr/>
-        <p:txBody>
-          <a:bodyPr/>
-          <a:lstStyle/>
-          <a:p>
-            <a:r>
-              <a:rPr lang="en-GB" dirty="0" smtClean="0"/>
-              <a:t>Set</a:t>
-            </a:r>
-            <a:r>
-              <a:rPr lang="en-GB" baseline="0" dirty="0" smtClean="0"/>
-              <a:t>ting up</a:t>
-            </a:r>
-            <a:endParaRPr lang="en-GB" dirty="0"/>
-          </a:p>
-        </p:txBody>
-      </p:sp>
-      <p:sp>
-        <p:nvSpPr>
-          <p:cNvPr id="4" name="Pladsholder til sidefod 3"/>
-          <p:cNvSpPr>
-            <a:spLocks noGrp="1"/>
-          </p:cNvSpPr>
-          <p:nvPr>
-            <p:ph type="ftr" sz="quarter" idx="11"/>
-          </p:nvPr>
-        </p:nvSpPr>
-        <p:spPr/>
-        <p:txBody>
-          <a:bodyPr/>
-          <a:lstStyle/>
-          <a:p>
-            <a:pPr algn="ctr"/>
-            <a:r>
-              <a:rPr lang="en-US" dirty="0" smtClean="0"/>
-              <a:t>AMIDST tutorial </a:t>
-            </a:r>
-            <a:endParaRPr lang="en-US" dirty="0"/>
-          </a:p>
-        </p:txBody>
-      </p:sp>
-      <p:sp>
-        <p:nvSpPr>
-          <p:cNvPr id="5" name="Pladsholder til diasnummer 4"/>
-          <p:cNvSpPr>
-            <a:spLocks noGrp="1"/>
-          </p:cNvSpPr>
-          <p:nvPr>
-            <p:ph type="sldNum" sz="quarter" idx="12"/>
-          </p:nvPr>
-        </p:nvSpPr>
-        <p:spPr/>
-        <p:txBody>
-          <a:bodyPr/>
-          <a:lstStyle/>
-          <a:p>
-            <a:fld id="{5DAF934F-C79E-435D-A6AE-5019505513F3}" type="slidenum">
-              <a:rPr lang="en-US" smtClean="0"/>
-              <a:t>6</a:t>
-            </a:fld>
-            <a:endParaRPr lang="en-US"/>
-          </a:p>
-        </p:txBody>
-      </p:sp>
-      <p:sp>
-        <p:nvSpPr>
-          <p:cNvPr id="8" name="Content Placeholder 2"/>
-          <p:cNvSpPr>
-            <a:spLocks noGrp="1"/>
-          </p:cNvSpPr>
-          <p:nvPr>
-            <p:ph idx="1"/>
-          </p:nvPr>
-        </p:nvSpPr>
-        <p:spPr>
-          <a:xfrm>
-            <a:off x="457200" y="1371600"/>
-            <a:ext cx="8229600" cy="4876800"/>
-          </a:xfrm>
-        </p:spPr>
-        <p:txBody>
-          <a:bodyPr/>
-          <a:lstStyle/>
-          <a:p>
-            <a:r>
-              <a:rPr lang="en-US" b="1" dirty="0" smtClean="0"/>
-              <a:t>Step</a:t>
-            </a:r>
-            <a:r>
-              <a:rPr lang="en-US" b="1" baseline="0" dirty="0" smtClean="0"/>
-              <a:t> 3</a:t>
-            </a:r>
-            <a:r>
-              <a:rPr lang="en-US" baseline="0" dirty="0" smtClean="0"/>
-              <a:t>: Download source code and </a:t>
-            </a:r>
-            <a:r>
-              <a:rPr lang="en-US" baseline="0" dirty="0" err="1" smtClean="0"/>
-              <a:t>javadoc</a:t>
-            </a:r>
-            <a:endParaRPr lang="en-US" dirty="0" smtClean="0"/>
-          </a:p>
-        </p:txBody>
-      </p:sp>
-      <p:pic>
-        <p:nvPicPr>
-          <p:cNvPr id="2" name="Picture 1"/>
-          <p:cNvPicPr>
-            <a:picLocks noChangeAspect="1"/>
-          </p:cNvPicPr>
-          <p:nvPr/>
-        </p:nvPicPr>
-        <p:blipFill>
-          <a:blip r:embed="rId2">
-            <a:extLst>
-              <a:ext uri="{28A0092B-C50C-407E-A947-70E740481C1C}">
-                <a14:useLocalDpi xmlns:a14="http://schemas.microsoft.com/office/drawing/2010/main" val="0"/>
-              </a:ext>
-            </a:extLst>
-          </a:blip>
-          <a:stretch>
-            <a:fillRect/>
-          </a:stretch>
-        </p:blipFill>
-        <p:spPr>
-          <a:xfrm>
-            <a:off x="1104900" y="2909851"/>
-            <a:ext cx="2659253" cy="1814549"/>
-          </a:xfrm>
-          <a:prstGeom prst="rect">
-            <a:avLst/>
-          </a:prstGeom>
-          <a:effectLst>
-            <a:outerShdw blurRad="50800" dist="76200" dir="8100000" algn="tr" rotWithShape="0">
-              <a:prstClr val="black">
-                <a:alpha val="40000"/>
-              </a:prstClr>
-            </a:outerShdw>
-          </a:effectLst>
-        </p:spPr>
-      </p:pic>
-      <p:pic>
-        <p:nvPicPr>
-          <p:cNvPr id="3" name="Picture 2"/>
-          <p:cNvPicPr>
-            <a:picLocks noChangeAspect="1"/>
-          </p:cNvPicPr>
-          <p:nvPr/>
-        </p:nvPicPr>
-        <p:blipFill>
-          <a:blip r:embed="rId3">
-            <a:extLst>
-              <a:ext uri="{28A0092B-C50C-407E-A947-70E740481C1C}">
-                <a14:useLocalDpi xmlns:a14="http://schemas.microsoft.com/office/drawing/2010/main" val="0"/>
-              </a:ext>
-            </a:extLst>
-          </a:blip>
-          <a:stretch>
-            <a:fillRect/>
-          </a:stretch>
-        </p:blipFill>
-        <p:spPr>
-          <a:xfrm>
-            <a:off x="5000176" y="3324870"/>
-            <a:ext cx="2717800" cy="984509"/>
-          </a:xfrm>
-          <a:prstGeom prst="rect">
-            <a:avLst/>
-          </a:prstGeom>
-          <a:effectLst>
-            <a:outerShdw blurRad="50800" dist="76200" dir="8100000" algn="tr" rotWithShape="0">
-              <a:prstClr val="black">
-                <a:alpha val="40000"/>
-              </a:prstClr>
-            </a:outerShdw>
-          </a:effectLst>
-        </p:spPr>
-      </p:pic>
-      <p:sp>
-        <p:nvSpPr>
-          <p:cNvPr id="9" name="Right Arrow 8"/>
-          <p:cNvSpPr/>
-          <p:nvPr/>
-        </p:nvSpPr>
-        <p:spPr>
-          <a:xfrm rot="5400000">
-            <a:off x="1441174" y="2908852"/>
-            <a:ext cx="228600" cy="76200"/>
-          </a:xfrm>
-          <a:prstGeom prst="rightArrow">
-            <a:avLst/>
-          </a:prstGeom>
-          <a:solidFill>
-            <a:srgbClr val="FF0000"/>
-          </a:solidFill>
-          <a:ln>
-            <a:solidFill>
-              <a:srgbClr val="FF0000"/>
-            </a:solidFill>
-          </a:ln>
-          <a:effectLst>
-            <a:outerShdw blurRad="50800" dist="76200" dir="8100000" algn="tr" rotWithShape="0">
-              <a:prstClr val="black">
-                <a:alpha val="40000"/>
-              </a:prstClr>
-            </a:outerShdw>
-          </a:effectLst>
-        </p:spPr>
-        <p:style>
-          <a:lnRef idx="2">
-            <a:schemeClr val="accent1">
-              <a:shade val="50000"/>
-            </a:schemeClr>
-          </a:lnRef>
-          <a:fillRef idx="1">
-            <a:schemeClr val="accent1"/>
-          </a:fillRef>
-          <a:effectRef idx="0">
-            <a:schemeClr val="accent1"/>
-          </a:effectRef>
-          <a:fontRef idx="minor">
-            <a:schemeClr val="lt1"/>
-          </a:fontRef>
-        </p:style>
-        <p:txBody>
-          <a:bodyPr rtlCol="0" anchor="ctr"/>
-          <a:lstStyle/>
-          <a:p>
-            <a:pPr algn="ctr"/>
-            <a:endParaRPr lang="en-US" dirty="0" smtClean="0">
-              <a:solidFill>
-                <a:schemeClr val="accent1">
-                  <a:lumMod val="75000"/>
-                </a:schemeClr>
-              </a:solidFill>
-            </a:endParaRPr>
-          </a:p>
-        </p:txBody>
-      </p:sp>
-      <p:sp>
-        <p:nvSpPr>
-          <p:cNvPr id="10" name="Right Arrow 9"/>
-          <p:cNvSpPr/>
-          <p:nvPr/>
-        </p:nvSpPr>
-        <p:spPr>
-          <a:xfrm rot="10800000">
-            <a:off x="7804266" y="3911139"/>
-            <a:ext cx="228600" cy="76200"/>
-          </a:xfrm>
-          <a:prstGeom prst="rightArrow">
-            <a:avLst/>
-          </a:prstGeom>
-          <a:solidFill>
-            <a:srgbClr val="FF0000"/>
-          </a:solidFill>
-          <a:ln>
-            <a:solidFill>
-              <a:srgbClr val="FF0000"/>
-            </a:solidFill>
-          </a:ln>
-          <a:effectLst>
-            <a:outerShdw blurRad="50800" dist="76200" dir="8100000" algn="tr" rotWithShape="0">
-              <a:prstClr val="black">
-                <a:alpha val="40000"/>
-              </a:prstClr>
-            </a:outerShdw>
-          </a:effectLst>
-        </p:spPr>
-        <p:style>
-          <a:lnRef idx="2">
-            <a:schemeClr val="accent1">
-              <a:shade val="50000"/>
-            </a:schemeClr>
-          </a:lnRef>
-          <a:fillRef idx="1">
-            <a:schemeClr val="accent1"/>
-          </a:fillRef>
-          <a:effectRef idx="0">
-            <a:schemeClr val="accent1"/>
-          </a:effectRef>
-          <a:fontRef idx="minor">
-            <a:schemeClr val="lt1"/>
-          </a:fontRef>
-        </p:style>
-        <p:txBody>
-          <a:bodyPr rtlCol="0" anchor="ctr"/>
-          <a:lstStyle/>
-          <a:p>
-            <a:pPr algn="ctr"/>
-            <a:endParaRPr lang="en-US" dirty="0" smtClean="0">
-              <a:solidFill>
-                <a:schemeClr val="accent1">
-                  <a:lumMod val="75000"/>
-                </a:schemeClr>
-              </a:solidFill>
-            </a:endParaRPr>
-          </a:p>
-        </p:txBody>
-      </p:sp>
-    </p:spTree>
-    <p:extLst>
-      <p:ext uri="{BB962C8B-B14F-4D97-AF65-F5344CB8AC3E}">
-        <p14:creationId xmlns:p14="http://schemas.microsoft.com/office/powerpoint/2010/main" val="1469322229"/>
       </p:ext>
     </p:extLst>
   </p:cSld>

--- a/doc/slides/AMIDST_slides.pptx
+++ b/doc/slides/AMIDST_slides.pptx
@@ -6714,8 +6714,8 @@
         </p:nvSpPr>
         <p:spPr>
           <a:xfrm>
-            <a:off x="6705600" y="4753927"/>
-            <a:ext cx="1219200" cy="400110"/>
+            <a:off x="5867400" y="4753927"/>
+            <a:ext cx="2750964" cy="400110"/>
           </a:xfrm>
           <a:prstGeom prst="rect">
             <a:avLst/>
@@ -6729,8 +6729,8 @@
           <a:lstStyle/>
           <a:p>
             <a:r>
-              <a:rPr lang="en-US" sz="2000" smtClean="0"/>
-              <a:t>Static BN</a:t>
+              <a:rPr lang="en-US" sz="2000" dirty="0" smtClean="0"/>
+              <a:t>Factor Analysis Model</a:t>
             </a:r>
             <a:endParaRPr lang="en-US" sz="2000" dirty="0"/>
           </a:p>
@@ -8388,36 +8388,6 @@
               <a:t>13</a:t>
             </a:fld>
             <a:endParaRPr lang="en-US"/>
-          </a:p>
-        </p:txBody>
-      </p:sp>
-      <p:sp>
-        <p:nvSpPr>
-          <p:cNvPr id="3" name="TextBox 2"/>
-          <p:cNvSpPr txBox="1"/>
-          <p:nvPr/>
-        </p:nvSpPr>
-        <p:spPr>
-          <a:xfrm>
-            <a:off x="952500" y="4753927"/>
-            <a:ext cx="1485900" cy="400110"/>
-          </a:xfrm>
-          <a:prstGeom prst="rect">
-            <a:avLst/>
-          </a:prstGeom>
-          <a:noFill/>
-        </p:spPr>
-        <p:txBody>
-          <a:bodyPr wrap="square" rtlCol="0">
-            <a:spAutoFit/>
-          </a:bodyPr>
-          <a:lstStyle/>
-          <a:p>
-            <a:r>
-              <a:rPr lang="en-US" sz="2000" dirty="0" smtClean="0"/>
-              <a:t>Static BN</a:t>
-            </a:r>
-            <a:endParaRPr lang="en-US" sz="2000" dirty="0"/>
           </a:p>
         </p:txBody>
       </p:sp>
@@ -10657,6 +10627,36 @@
           </a:p>
         </p:txBody>
       </p:sp>
+      <p:sp>
+        <p:nvSpPr>
+          <p:cNvPr id="73" name="TextBox 72"/>
+          <p:cNvSpPr txBox="1"/>
+          <p:nvPr/>
+        </p:nvSpPr>
+        <p:spPr>
+          <a:xfrm>
+            <a:off x="258543" y="4766032"/>
+            <a:ext cx="2750964" cy="400110"/>
+          </a:xfrm>
+          <a:prstGeom prst="rect">
+            <a:avLst/>
+          </a:prstGeom>
+          <a:noFill/>
+        </p:spPr>
+        <p:txBody>
+          <a:bodyPr wrap="square" rtlCol="0">
+            <a:spAutoFit/>
+          </a:bodyPr>
+          <a:lstStyle/>
+          <a:p>
+            <a:r>
+              <a:rPr lang="en-US" sz="2000" dirty="0" smtClean="0"/>
+              <a:t>Factor Analysis Model</a:t>
+            </a:r>
+            <a:endParaRPr lang="en-US" sz="2000" dirty="0"/>
+          </a:p>
+        </p:txBody>
+      </p:sp>
     </p:spTree>
     <p:extLst>
       <p:ext uri="{BB962C8B-B14F-4D97-AF65-F5344CB8AC3E}">
@@ -12460,36 +12460,6 @@
           </a:p>
         </p:txBody>
       </p:sp>
-      <p:sp>
-        <p:nvSpPr>
-          <p:cNvPr id="101" name="TextBox 100"/>
-          <p:cNvSpPr txBox="1"/>
-          <p:nvPr/>
-        </p:nvSpPr>
-        <p:spPr>
-          <a:xfrm>
-            <a:off x="6705600" y="4753927"/>
-            <a:ext cx="1219200" cy="400110"/>
-          </a:xfrm>
-          <a:prstGeom prst="rect">
-            <a:avLst/>
-          </a:prstGeom>
-          <a:noFill/>
-        </p:spPr>
-        <p:txBody>
-          <a:bodyPr wrap="square" rtlCol="0">
-            <a:spAutoFit/>
-          </a:bodyPr>
-          <a:lstStyle/>
-          <a:p>
-            <a:r>
-              <a:rPr lang="en-US" sz="2000" smtClean="0"/>
-              <a:t>Static BN</a:t>
-            </a:r>
-            <a:endParaRPr lang="en-US" sz="2000" dirty="0"/>
-          </a:p>
-        </p:txBody>
-      </p:sp>
       <p:pic>
         <p:nvPicPr>
           <p:cNvPr id="7" name="Picture 6"/>
@@ -13609,6 +13579,36 @@
           </a:p>
         </p:txBody>
       </p:sp>
+      <p:sp>
+        <p:nvSpPr>
+          <p:cNvPr id="68" name="TextBox 67"/>
+          <p:cNvSpPr txBox="1"/>
+          <p:nvPr/>
+        </p:nvSpPr>
+        <p:spPr>
+          <a:xfrm>
+            <a:off x="5867400" y="4753927"/>
+            <a:ext cx="2750964" cy="400110"/>
+          </a:xfrm>
+          <a:prstGeom prst="rect">
+            <a:avLst/>
+          </a:prstGeom>
+          <a:noFill/>
+        </p:spPr>
+        <p:txBody>
+          <a:bodyPr wrap="square" rtlCol="0">
+            <a:spAutoFit/>
+          </a:bodyPr>
+          <a:lstStyle/>
+          <a:p>
+            <a:r>
+              <a:rPr lang="en-US" sz="2000" dirty="0" smtClean="0"/>
+              <a:t>Factor Analysis Model</a:t>
+            </a:r>
+            <a:endParaRPr lang="en-US" sz="2000" dirty="0"/>
+          </a:p>
+        </p:txBody>
+      </p:sp>
     </p:spTree>
     <p:extLst>
       <p:ext uri="{BB962C8B-B14F-4D97-AF65-F5344CB8AC3E}">
@@ -13668,6 +13668,7 @@
           </a:bodyPr>
           <a:lstStyle/>
           <a:p>
+            <a:pPr algn="r"/>
             <a:r>
               <a:rPr lang="en-GB" sz="2800" dirty="0" smtClean="0"/>
               <a:t>Static</a:t>
@@ -13677,12 +13678,23 @@
               <a:t> models (learning from </a:t>
             </a:r>
             <a:r>
+              <a:rPr lang="en-GB" sz="2800" dirty="0" err="1"/>
+              <a:t>F</a:t>
+            </a:r>
+            <a:r>
               <a:rPr lang="en-GB" sz="2800" baseline="0" dirty="0" err="1" smtClean="0"/>
-              <a:t>flink</a:t>
+              <a:t>link</a:t>
             </a:r>
             <a:r>
               <a:rPr lang="en-GB" sz="2800" baseline="0" dirty="0" smtClean="0"/>
               <a:t>)</a:t>
+            </a:r>
+            <a:br>
+              <a:rPr lang="en-GB" sz="2800" baseline="0" dirty="0" smtClean="0"/>
+            </a:br>
+            <a:r>
+              <a:rPr lang="en-GB" sz="1600" dirty="0" smtClean="0"/>
+              <a:t>[Spark coming soon]</a:t>
             </a:r>
             <a:endParaRPr lang="en-GB" sz="2800" dirty="0"/>
           </a:p>
@@ -17706,12 +17718,33 @@
         </p:nvSpPr>
         <p:spPr/>
         <p:txBody>
-          <a:bodyPr/>
+          <a:bodyPr>
+            <a:normAutofit fontScale="90000"/>
+          </a:bodyPr>
           <a:lstStyle/>
           <a:p>
             <a:r>
               <a:rPr lang="en-US" dirty="0" smtClean="0"/>
-              <a:t>Static models (inference)</a:t>
+              <a:t>Static models (inference</a:t>
+            </a:r>
+            <a:r>
+              <a:rPr lang="en-US" dirty="0" smtClean="0"/>
+              <a:t>)</a:t>
+            </a:r>
+            <a:br>
+              <a:rPr lang="en-US" dirty="0" smtClean="0"/>
+            </a:br>
+            <a:r>
+              <a:rPr lang="en-GB" sz="2000" dirty="0"/>
+              <a:t>[</a:t>
+            </a:r>
+            <a:r>
+              <a:rPr lang="en-GB" sz="2000" dirty="0" err="1"/>
+              <a:t>Flink</a:t>
+            </a:r>
+            <a:r>
+              <a:rPr lang="en-GB" sz="2000" dirty="0"/>
+              <a:t> support coming soon]</a:t>
             </a:r>
             <a:endParaRPr lang="en-US" dirty="0"/>
           </a:p>
@@ -21258,8 +21291,8 @@
         </p:nvSpPr>
         <p:spPr>
           <a:xfrm>
-            <a:off x="6705600" y="4753927"/>
-            <a:ext cx="1524000" cy="400110"/>
+            <a:off x="5486400" y="4753927"/>
+            <a:ext cx="3581400" cy="707886"/>
           </a:xfrm>
           <a:prstGeom prst="rect">
             <a:avLst/>
@@ -21272,9 +21305,17 @@
           </a:bodyPr>
           <a:lstStyle/>
           <a:p>
-            <a:r>
-              <a:rPr lang="en-US" sz="2000" smtClean="0"/>
-              <a:t>Dynamic BN</a:t>
+            <a:pPr algn="ctr"/>
+            <a:r>
+              <a:rPr lang="en-US" sz="2000" dirty="0" smtClean="0"/>
+              <a:t>Hidden Markov Model</a:t>
+            </a:r>
+          </a:p>
+          <a:p>
+            <a:pPr algn="ctr"/>
+            <a:r>
+              <a:rPr lang="en-US" sz="2000" dirty="0" smtClean="0"/>
+              <a:t>(Dynamic BN)</a:t>
             </a:r>
             <a:endParaRPr lang="en-US" sz="2000" dirty="0"/>
           </a:p>
@@ -23193,7 +23234,9 @@
         </p:nvSpPr>
         <p:spPr/>
         <p:txBody>
-          <a:bodyPr/>
+          <a:bodyPr>
+            <a:normAutofit fontScale="90000"/>
+          </a:bodyPr>
           <a:lstStyle/>
           <a:p>
             <a:r>
@@ -23202,9 +23245,28 @@
             </a:r>
             <a:r>
               <a:rPr lang="en-GB" baseline="0" dirty="0" smtClean="0"/>
-              <a:t>models (learning)</a:t>
-            </a:r>
-            <a:endParaRPr lang="en-GB" dirty="0"/>
+              <a:t>models (learning</a:t>
+            </a:r>
+            <a:r>
+              <a:rPr lang="en-GB" baseline="0" dirty="0" smtClean="0"/>
+              <a:t>)</a:t>
+            </a:r>
+            <a:br>
+              <a:rPr lang="en-GB" baseline="0" dirty="0" smtClean="0"/>
+            </a:br>
+            <a:r>
+              <a:rPr lang="en-GB" sz="2000" dirty="0"/>
+              <a:t>[</a:t>
+            </a:r>
+            <a:r>
+              <a:rPr lang="en-GB" sz="2000" dirty="0" err="1"/>
+              <a:t>Flink</a:t>
+            </a:r>
+            <a:r>
+              <a:rPr lang="en-GB" sz="2000" dirty="0"/>
+              <a:t> support coming soon]</a:t>
+            </a:r>
+            <a:endParaRPr lang="en-GB" sz="2000" dirty="0"/>
           </a:p>
         </p:txBody>
       </p:sp>
@@ -23707,36 +23769,6 @@
               <a:t>25</a:t>
             </a:fld>
             <a:endParaRPr lang="en-US"/>
-          </a:p>
-        </p:txBody>
-      </p:sp>
-      <p:sp>
-        <p:nvSpPr>
-          <p:cNvPr id="3" name="TextBox 2"/>
-          <p:cNvSpPr txBox="1"/>
-          <p:nvPr/>
-        </p:nvSpPr>
-        <p:spPr>
-          <a:xfrm>
-            <a:off x="952500" y="4753927"/>
-            <a:ext cx="1485900" cy="400110"/>
-          </a:xfrm>
-          <a:prstGeom prst="rect">
-            <a:avLst/>
-          </a:prstGeom>
-          <a:noFill/>
-        </p:spPr>
-        <p:txBody>
-          <a:bodyPr wrap="square" rtlCol="0">
-            <a:spAutoFit/>
-          </a:bodyPr>
-          <a:lstStyle/>
-          <a:p>
-            <a:r>
-              <a:rPr lang="en-US" sz="2000" dirty="0" smtClean="0"/>
-              <a:t>Dynamic BN</a:t>
-            </a:r>
-            <a:endParaRPr lang="en-US" sz="2000" dirty="0"/>
           </a:p>
         </p:txBody>
       </p:sp>
@@ -27007,6 +27039,44 @@
           </a:p>
         </p:txBody>
       </p:sp>
+      <p:sp>
+        <p:nvSpPr>
+          <p:cNvPr id="95" name="TextBox 94"/>
+          <p:cNvSpPr txBox="1"/>
+          <p:nvPr/>
+        </p:nvSpPr>
+        <p:spPr>
+          <a:xfrm>
+            <a:off x="-209572" y="4632381"/>
+            <a:ext cx="3581400" cy="707886"/>
+          </a:xfrm>
+          <a:prstGeom prst="rect">
+            <a:avLst/>
+          </a:prstGeom>
+          <a:noFill/>
+        </p:spPr>
+        <p:txBody>
+          <a:bodyPr wrap="square" rtlCol="0">
+            <a:spAutoFit/>
+          </a:bodyPr>
+          <a:lstStyle/>
+          <a:p>
+            <a:pPr algn="ctr"/>
+            <a:r>
+              <a:rPr lang="en-US" sz="2000" dirty="0" smtClean="0"/>
+              <a:t>Hidden Markov Model</a:t>
+            </a:r>
+          </a:p>
+          <a:p>
+            <a:pPr algn="ctr"/>
+            <a:r>
+              <a:rPr lang="en-US" sz="2000" dirty="0" smtClean="0"/>
+              <a:t>(Dynamic BN)</a:t>
+            </a:r>
+            <a:endParaRPr lang="en-US" sz="2000" dirty="0"/>
+          </a:p>
+        </p:txBody>
+      </p:sp>
     </p:spTree>
     <p:extLst>
       <p:ext uri="{BB962C8B-B14F-4D97-AF65-F5344CB8AC3E}">
@@ -27210,15 +27280,23 @@
           <a:p>
             <a:r>
               <a:rPr lang="en-US" sz="1600" i="1" dirty="0"/>
-              <a:t>// Save with .</a:t>
-            </a:r>
-            <a:r>
-              <a:rPr lang="en-US" sz="1600" i="1" dirty="0" err="1"/>
-              <a:t>bn</a:t>
+              <a:t>// Save with </a:t>
+            </a:r>
+            <a:r>
+              <a:rPr lang="en-US" sz="1600" i="1" dirty="0" smtClean="0"/>
+              <a:t>.</a:t>
+            </a:r>
+            <a:r>
+              <a:rPr lang="en-US" sz="1600" i="1" dirty="0" err="1" smtClean="0"/>
+              <a:t>dbn</a:t>
+            </a:r>
+            <a:r>
+              <a:rPr lang="en-US" sz="1600" i="1" dirty="0" smtClean="0"/>
+              <a:t> </a:t>
             </a:r>
             <a:r>
               <a:rPr lang="en-US" sz="1600" i="1" dirty="0"/>
-              <a:t> format</a:t>
+              <a:t>format</a:t>
             </a:r>
             <a:br>
               <a:rPr lang="en-US" sz="1600" i="1" dirty="0"/>
@@ -27283,18 +27361,18 @@
             </a:r>
             <a:r>
               <a:rPr lang="en-US" sz="1600" i="1" dirty="0"/>
-              <a:t> format</a:t>
+              <a:t> </a:t>
+            </a:r>
+            <a:r>
+              <a:rPr lang="en-US" sz="1600" i="1" dirty="0" smtClean="0"/>
+              <a:t>format. Not full compatibility.</a:t>
             </a:r>
             <a:br>
-              <a:rPr lang="en-US" sz="1600" i="1" dirty="0"/>
+              <a:rPr lang="en-US" sz="1600" i="1" dirty="0" smtClean="0"/>
             </a:br>
             <a:r>
-              <a:rPr lang="en-US" sz="1600" dirty="0" err="1"/>
-              <a:t>DynamicBayesianNetworkWriterToHugin</a:t>
-            </a:r>
-            <a:r>
               <a:rPr lang="en-US" sz="1600" dirty="0" err="1" smtClean="0"/>
-              <a:t>.</a:t>
+              <a:t>DynamicBayesianNetworkWriterToHugin.</a:t>
             </a:r>
             <a:r>
               <a:rPr lang="en-US" sz="1600" i="1" dirty="0" err="1" smtClean="0"/>
@@ -27579,36 +27657,6 @@
           </a:p>
         </p:txBody>
       </p:sp>
-      <p:sp>
-        <p:nvSpPr>
-          <p:cNvPr id="3" name="TextBox 2"/>
-          <p:cNvSpPr txBox="1"/>
-          <p:nvPr/>
-        </p:nvSpPr>
-        <p:spPr>
-          <a:xfrm>
-            <a:off x="952500" y="4753927"/>
-            <a:ext cx="1485900" cy="400110"/>
-          </a:xfrm>
-          <a:prstGeom prst="rect">
-            <a:avLst/>
-          </a:prstGeom>
-          <a:noFill/>
-        </p:spPr>
-        <p:txBody>
-          <a:bodyPr wrap="square" rtlCol="0">
-            <a:spAutoFit/>
-          </a:bodyPr>
-          <a:lstStyle/>
-          <a:p>
-            <a:r>
-              <a:rPr lang="en-US" sz="2000" dirty="0" smtClean="0"/>
-              <a:t>Dynamic BN</a:t>
-            </a:r>
-            <a:endParaRPr lang="en-US" sz="2000" dirty="0"/>
-          </a:p>
-        </p:txBody>
-      </p:sp>
       <p:grpSp>
         <p:nvGrpSpPr>
           <p:cNvPr id="98" name="Group 97"/>
@@ -28590,7 +28638,7 @@
         </p:nvSpPr>
         <p:spPr>
           <a:xfrm>
-            <a:off x="7315200" y="4788072"/>
+            <a:off x="7039340" y="4750643"/>
             <a:ext cx="1463480" cy="400110"/>
           </a:xfrm>
           <a:prstGeom prst="rect">
@@ -28605,8 +28653,12 @@
           <a:lstStyle/>
           <a:p>
             <a:r>
+              <a:rPr lang="en-US" sz="2000"/>
+              <a:t>Q</a:t>
+            </a:r>
+            <a:r>
               <a:rPr lang="en-US" sz="2000" smtClean="0"/>
-              <a:t>querry</a:t>
+              <a:t>uery</a:t>
             </a:r>
             <a:endParaRPr lang="en-US" sz="2000" dirty="0"/>
           </a:p>
@@ -30834,8 +30886,8 @@
           </a:p>
         </p:txBody>
       </p:sp>
-      <mc:AlternateContent xmlns:mc="http://schemas.openxmlformats.org/markup-compatibility/2006" xmlns:a14="http://schemas.microsoft.com/office/drawing/2010/main">
-        <mc:Choice Requires="a14">
+      <mc:AlternateContent xmlns:mc="http://schemas.openxmlformats.org/markup-compatibility/2006">
+        <mc:Choice xmlns:a14="http://schemas.microsoft.com/office/drawing/2010/main" Requires="a14">
           <p:sp>
             <p:nvSpPr>
               <p:cNvPr id="95" name="Rectangle 94"/>
@@ -30977,132 +31029,6 @@
                       <m:sSup>
                         <m:sSupPr>
                           <m:ctrlPr>
-                            <a:rPr lang="es-ES" i="1" dirty="0">
-                              <a:ln w="0"/>
-                              <a:solidFill>
-                                <a:srgbClr val="6DA4FA"/>
-                              </a:solidFill>
-                              <a:effectLst>
-                                <a:outerShdw blurRad="38100" dist="25400" dir="5400000" algn="ctr" rotWithShape="0">
-                                  <a:srgbClr val="6E747A">
-                                    <a:alpha val="43000"/>
-                                  </a:srgbClr>
-                                </a:outerShdw>
-                              </a:effectLst>
-                              <a:latin typeface="Cambria Math" charset="0"/>
-                            </a:rPr>
-                          </m:ctrlPr>
-                        </m:sSupPr>
-                        <m:e>
-                          <m:r>
-                            <a:rPr lang="es-ES" i="1" dirty="0">
-                              <a:ln w="0"/>
-                              <a:solidFill>
-                                <a:srgbClr val="6DA4FA"/>
-                              </a:solidFill>
-                              <a:effectLst>
-                                <a:outerShdw blurRad="38100" dist="25400" dir="5400000" algn="ctr" rotWithShape="0">
-                                  <a:srgbClr val="6E747A">
-                                    <a:alpha val="43000"/>
-                                  </a:srgbClr>
-                                </a:outerShdw>
-                              </a:effectLst>
-                              <a:latin typeface="Cambria Math" charset="0"/>
-                            </a:rPr>
-                            <m:t>𝐻</m:t>
-                          </m:r>
-                        </m:e>
-                        <m:sup>
-                          <m:r>
-                            <a:rPr lang="es-ES" i="1" dirty="0">
-                              <a:ln w="0"/>
-                              <a:solidFill>
-                                <a:srgbClr val="6DA4FA"/>
-                              </a:solidFill>
-                              <a:effectLst>
-                                <a:outerShdw blurRad="38100" dist="25400" dir="5400000" algn="ctr" rotWithShape="0">
-                                  <a:srgbClr val="6E747A">
-                                    <a:alpha val="43000"/>
-                                  </a:srgbClr>
-                                </a:outerShdw>
-                              </a:effectLst>
-                              <a:latin typeface="Cambria Math" charset="0"/>
-                            </a:rPr>
-                            <m:t>𝑡</m:t>
-                          </m:r>
-                          <m:r>
-                            <a:rPr lang="es-ES" b="0" i="1" dirty="0" smtClean="0">
-                              <a:ln w="0"/>
-                              <a:solidFill>
-                                <a:srgbClr val="6DA4FA"/>
-                              </a:solidFill>
-                              <a:effectLst>
-                                <a:outerShdw blurRad="38100" dist="25400" dir="5400000" algn="ctr" rotWithShape="0">
-                                  <a:srgbClr val="6E747A">
-                                    <a:alpha val="43000"/>
-                                  </a:srgbClr>
-                                </a:outerShdw>
-                              </a:effectLst>
-                              <a:latin typeface="Cambria Math" charset="0"/>
-                            </a:rPr>
-                            <m:t>−1</m:t>
-                          </m:r>
-                        </m:sup>
-                      </m:sSup>
-                      <m:r>
-                        <a:rPr lang="es-ES" b="0" i="1" dirty="0" smtClean="0">
-                          <a:ln w="0"/>
-                          <a:solidFill>
-                            <a:srgbClr val="6DA4FA"/>
-                          </a:solidFill>
-                          <a:effectLst>
-                            <a:outerShdw blurRad="38100" dist="25400" dir="5400000" algn="ctr" rotWithShape="0">
-                              <a:srgbClr val="6E747A">
-                                <a:alpha val="43000"/>
-                              </a:srgbClr>
-                            </a:outerShdw>
-                          </a:effectLst>
-                          <a:latin typeface="Cambria Math" charset="0"/>
-                        </a:rPr>
-                        <m:t>=</m:t>
-                      </m:r>
-                      <m:r>
-                        <a:rPr lang="es-ES" b="0" i="1" dirty="0" smtClean="0">
-                          <a:ln w="0"/>
-                          <a:solidFill>
-                            <a:srgbClr val="6DA4FA"/>
-                          </a:solidFill>
-                          <a:effectLst>
-                            <a:outerShdw blurRad="38100" dist="25400" dir="5400000" algn="ctr" rotWithShape="0">
-                              <a:srgbClr val="6E747A">
-                                <a:alpha val="43000"/>
-                              </a:srgbClr>
-                            </a:outerShdw>
-                          </a:effectLst>
-                          <a:latin typeface="Cambria Math" charset="0"/>
-                        </a:rPr>
-                        <m:t>h</m:t>
-                      </m:r>
-                      <m:r>
-                        <a:rPr lang="es-ES" b="0" i="1" dirty="0" smtClean="0">
-                          <a:ln w="0"/>
-                          <a:solidFill>
-                            <a:srgbClr val="6DA4FA"/>
-                          </a:solidFill>
-                          <a:effectLst>
-                            <a:outerShdw blurRad="38100" dist="25400" dir="5400000" algn="ctr" rotWithShape="0">
-                              <a:srgbClr val="6E747A">
-                                <a:alpha val="43000"/>
-                              </a:srgbClr>
-                            </a:outerShdw>
-                          </a:effectLst>
-                          <a:latin typeface="Cambria Math" charset="0"/>
-                        </a:rPr>
-                        <m:t>,</m:t>
-                      </m:r>
-                      <m:sSup>
-                        <m:sSupPr>
-                          <m:ctrlPr>
                             <a:rPr lang="es-ES" b="0" i="1" dirty="0" smtClean="0">
                               <a:ln w="0"/>
                               <a:solidFill>
@@ -31229,7 +31155,7 @@
             </p:txBody>
           </p:sp>
         </mc:Choice>
-        <mc:Fallback xmlns="">
+        <mc:Fallback>
           <p:sp>
             <p:nvSpPr>
               <p:cNvPr id="95" name="Rectangle 94"/>
@@ -31268,8 +31194,8 @@
           </p:sp>
         </mc:Fallback>
       </mc:AlternateContent>
-      <mc:AlternateContent xmlns:mc="http://schemas.openxmlformats.org/markup-compatibility/2006" xmlns:a14="http://schemas.microsoft.com/office/drawing/2010/main">
-        <mc:Choice Requires="a14">
+      <mc:AlternateContent xmlns:mc="http://schemas.openxmlformats.org/markup-compatibility/2006">
+        <mc:Choice xmlns:a14="http://schemas.microsoft.com/office/drawing/2010/main" Requires="a14">
           <p:sp>
             <p:nvSpPr>
               <p:cNvPr id="96" name="Rectangle 95"/>
@@ -31428,132 +31354,6 @@
                       <m:sSup>
                         <m:sSupPr>
                           <m:ctrlPr>
-                            <a:rPr lang="es-ES" i="1" dirty="0">
-                              <a:ln w="0"/>
-                              <a:solidFill>
-                                <a:srgbClr val="6DA4FA"/>
-                              </a:solidFill>
-                              <a:effectLst>
-                                <a:outerShdw blurRad="38100" dist="25400" dir="5400000" algn="ctr" rotWithShape="0">
-                                  <a:srgbClr val="6E747A">
-                                    <a:alpha val="43000"/>
-                                  </a:srgbClr>
-                                </a:outerShdw>
-                              </a:effectLst>
-                              <a:latin typeface="Cambria Math" charset="0"/>
-                            </a:rPr>
-                          </m:ctrlPr>
-                        </m:sSupPr>
-                        <m:e>
-                          <m:r>
-                            <a:rPr lang="es-ES" i="1" dirty="0">
-                              <a:ln w="0"/>
-                              <a:solidFill>
-                                <a:srgbClr val="6DA4FA"/>
-                              </a:solidFill>
-                              <a:effectLst>
-                                <a:outerShdw blurRad="38100" dist="25400" dir="5400000" algn="ctr" rotWithShape="0">
-                                  <a:srgbClr val="6E747A">
-                                    <a:alpha val="43000"/>
-                                  </a:srgbClr>
-                                </a:outerShdw>
-                              </a:effectLst>
-                              <a:latin typeface="Cambria Math" charset="0"/>
-                            </a:rPr>
-                            <m:t>𝐻</m:t>
-                          </m:r>
-                        </m:e>
-                        <m:sup>
-                          <m:r>
-                            <a:rPr lang="es-ES" i="1" dirty="0">
-                              <a:ln w="0"/>
-                              <a:solidFill>
-                                <a:srgbClr val="6DA4FA"/>
-                              </a:solidFill>
-                              <a:effectLst>
-                                <a:outerShdw blurRad="38100" dist="25400" dir="5400000" algn="ctr" rotWithShape="0">
-                                  <a:srgbClr val="6E747A">
-                                    <a:alpha val="43000"/>
-                                  </a:srgbClr>
-                                </a:outerShdw>
-                              </a:effectLst>
-                              <a:latin typeface="Cambria Math" charset="0"/>
-                            </a:rPr>
-                            <m:t>𝑡</m:t>
-                          </m:r>
-                          <m:r>
-                            <a:rPr lang="es-ES" b="0" i="1" dirty="0" smtClean="0">
-                              <a:ln w="0"/>
-                              <a:solidFill>
-                                <a:srgbClr val="6DA4FA"/>
-                              </a:solidFill>
-                              <a:effectLst>
-                                <a:outerShdw blurRad="38100" dist="25400" dir="5400000" algn="ctr" rotWithShape="0">
-                                  <a:srgbClr val="6E747A">
-                                    <a:alpha val="43000"/>
-                                  </a:srgbClr>
-                                </a:outerShdw>
-                              </a:effectLst>
-                              <a:latin typeface="Cambria Math" charset="0"/>
-                            </a:rPr>
-                            <m:t>−1</m:t>
-                          </m:r>
-                        </m:sup>
-                      </m:sSup>
-                      <m:r>
-                        <a:rPr lang="es-ES" b="0" i="1" dirty="0" smtClean="0">
-                          <a:ln w="0"/>
-                          <a:solidFill>
-                            <a:srgbClr val="6DA4FA"/>
-                          </a:solidFill>
-                          <a:effectLst>
-                            <a:outerShdw blurRad="38100" dist="25400" dir="5400000" algn="ctr" rotWithShape="0">
-                              <a:srgbClr val="6E747A">
-                                <a:alpha val="43000"/>
-                              </a:srgbClr>
-                            </a:outerShdw>
-                          </a:effectLst>
-                          <a:latin typeface="Cambria Math" charset="0"/>
-                        </a:rPr>
-                        <m:t>=</m:t>
-                      </m:r>
-                      <m:r>
-                        <a:rPr lang="es-ES" b="0" i="1" dirty="0" smtClean="0">
-                          <a:ln w="0"/>
-                          <a:solidFill>
-                            <a:srgbClr val="6DA4FA"/>
-                          </a:solidFill>
-                          <a:effectLst>
-                            <a:outerShdw blurRad="38100" dist="25400" dir="5400000" algn="ctr" rotWithShape="0">
-                              <a:srgbClr val="6E747A">
-                                <a:alpha val="43000"/>
-                              </a:srgbClr>
-                            </a:outerShdw>
-                          </a:effectLst>
-                          <a:latin typeface="Cambria Math" charset="0"/>
-                        </a:rPr>
-                        <m:t>h</m:t>
-                      </m:r>
-                      <m:r>
-                        <a:rPr lang="es-ES" b="0" i="1" dirty="0" smtClean="0">
-                          <a:ln w="0"/>
-                          <a:solidFill>
-                            <a:srgbClr val="6DA4FA"/>
-                          </a:solidFill>
-                          <a:effectLst>
-                            <a:outerShdw blurRad="38100" dist="25400" dir="5400000" algn="ctr" rotWithShape="0">
-                              <a:srgbClr val="6E747A">
-                                <a:alpha val="43000"/>
-                              </a:srgbClr>
-                            </a:outerShdw>
-                          </a:effectLst>
-                          <a:latin typeface="Cambria Math" charset="0"/>
-                        </a:rPr>
-                        <m:t>,</m:t>
-                      </m:r>
-                      <m:sSup>
-                        <m:sSupPr>
-                          <m:ctrlPr>
                             <a:rPr lang="es-ES" b="0" i="1" dirty="0" smtClean="0">
                               <a:ln w="0"/>
                               <a:solidFill>
@@ -31680,7 +31480,7 @@
             </p:txBody>
           </p:sp>
         </mc:Choice>
-        <mc:Fallback xmlns="">
+        <mc:Fallback>
           <p:sp>
             <p:nvSpPr>
               <p:cNvPr id="96" name="Rectangle 95"/>
@@ -31719,6 +31519,44 @@
           </p:sp>
         </mc:Fallback>
       </mc:AlternateContent>
+      <p:sp>
+        <p:nvSpPr>
+          <p:cNvPr id="97" name="TextBox 96"/>
+          <p:cNvSpPr txBox="1"/>
+          <p:nvPr/>
+        </p:nvSpPr>
+        <p:spPr>
+          <a:xfrm>
+            <a:off x="-209572" y="4321314"/>
+            <a:ext cx="3581400" cy="707886"/>
+          </a:xfrm>
+          <a:prstGeom prst="rect">
+            <a:avLst/>
+          </a:prstGeom>
+          <a:noFill/>
+        </p:spPr>
+        <p:txBody>
+          <a:bodyPr wrap="square" rtlCol="0">
+            <a:spAutoFit/>
+          </a:bodyPr>
+          <a:lstStyle/>
+          <a:p>
+            <a:pPr algn="ctr"/>
+            <a:r>
+              <a:rPr lang="en-US" sz="2000" dirty="0" smtClean="0"/>
+              <a:t>Hidden Markov Model</a:t>
+            </a:r>
+          </a:p>
+          <a:p>
+            <a:pPr algn="ctr"/>
+            <a:r>
+              <a:rPr lang="en-US" sz="2000" dirty="0" smtClean="0"/>
+              <a:t>(Dynamic BN)</a:t>
+            </a:r>
+            <a:endParaRPr lang="en-US" sz="2000" dirty="0"/>
+          </a:p>
+        </p:txBody>
+      </p:sp>
     </p:spTree>
     <p:extLst>
       <p:ext uri="{BB962C8B-B14F-4D97-AF65-F5344CB8AC3E}">
@@ -31765,7 +31603,7 @@
         <p:spPr>
           <a:xfrm>
             <a:off x="457200" y="1905000"/>
-            <a:ext cx="8763000" cy="4185761"/>
+            <a:ext cx="8763000" cy="4401205"/>
           </a:xfrm>
           <a:prstGeom prst="rect">
             <a:avLst/>
@@ -31898,13 +31736,24 @@
             <a:br>
               <a:rPr lang="en-US" sz="1400" dirty="0"/>
             </a:br>
+            <a:endParaRPr lang="en-US" sz="1400" dirty="0" smtClean="0"/>
+          </a:p>
+          <a:p>
+            <a:r>
+              <a:rPr lang="en-US" sz="1400" i="1" dirty="0" smtClean="0">
+                <a:solidFill>
+                  <a:srgbClr val="808080"/>
+                </a:solidFill>
+              </a:rPr>
+              <a:t>//</a:t>
+            </a:r>
             <a:r>
               <a:rPr lang="en-US" sz="1400" i="1" dirty="0">
                 <a:solidFill>
                   <a:srgbClr val="808080"/>
                 </a:solidFill>
               </a:rPr>
-              <a:t>//Select the inference algorithm</a:t>
+              <a:t>Select the inference algorithm</a:t>
             </a:r>
             <a:br>
               <a:rPr lang="en-US" sz="1400" i="1" dirty="0">
